--- a/PPT/ObservaTerra31.pptx
+++ b/PPT/ObservaTerra31.pptx
@@ -2,7 +2,7 @@
 <file path=ppt/presentation.xml><?xml version="1.0" encoding="utf-8"?>
 <p:presentation xmlns:a="http://schemas.openxmlformats.org/drawingml/2006/main" xmlns:r="http://schemas.openxmlformats.org/officeDocument/2006/relationships" xmlns:p="http://schemas.openxmlformats.org/presentationml/2006/main" saveSubsetFonts="1">
   <p:sldMasterIdLst>
-    <p:sldMasterId id="2147483900" r:id="rId1"/>
+    <p:sldMasterId id="2147483924" r:id="rId1"/>
   </p:sldMasterIdLst>
   <p:sldIdLst>
     <p:sldId id="256" r:id="rId2"/>
@@ -132,78 +132,7 @@
       </p:grpSpPr>
       <p:sp>
         <p:nvSpPr>
-          <p:cNvPr id="7" name="6 Triángulo isósceles"/>
-          <p:cNvSpPr/>
-          <p:nvPr/>
-        </p:nvSpPr>
-        <p:spPr>
-          <a:xfrm rot="16200000">
-            <a:off x="7554353" y="5254283"/>
-            <a:ext cx="1892949" cy="1294228"/>
-          </a:xfrm>
-          <a:prstGeom prst="triangle">
-            <a:avLst>
-              <a:gd name="adj" fmla="val 51323"/>
-            </a:avLst>
-          </a:prstGeom>
-          <a:gradFill flip="none" rotWithShape="1">
-            <a:gsLst>
-              <a:gs pos="0">
-                <a:schemeClr val="accent1">
-                  <a:shade val="30000"/>
-                  <a:satMod val="155000"/>
-                  <a:alpha val="100000"/>
-                </a:schemeClr>
-              </a:gs>
-              <a:gs pos="60000">
-                <a:schemeClr val="accent1">
-                  <a:satMod val="160000"/>
-                  <a:alpha val="100000"/>
-                </a:schemeClr>
-              </a:gs>
-              <a:gs pos="100000">
-                <a:schemeClr val="accent1">
-                  <a:tint val="70000"/>
-                  <a:satMod val="200000"/>
-                  <a:alpha val="100000"/>
-                </a:schemeClr>
-              </a:gs>
-            </a:gsLst>
-            <a:lin ang="15500000" scaled="1"/>
-            <a:tileRect/>
-          </a:gradFill>
-          <a:ln w="38100" cap="rnd" cmpd="sng" algn="ctr">
-            <a:noFill/>
-            <a:prstDash val="solid"/>
-          </a:ln>
-          <a:effectLst/>
-        </p:spPr>
-        <p:style>
-          <a:lnRef idx="3">
-            <a:schemeClr val="lt1"/>
-          </a:lnRef>
-          <a:fillRef idx="1">
-            <a:schemeClr val="accent1"/>
-          </a:fillRef>
-          <a:effectRef idx="1">
-            <a:schemeClr val="accent1"/>
-          </a:effectRef>
-          <a:fontRef idx="minor">
-            <a:schemeClr val="lt1"/>
-          </a:fontRef>
-        </p:style>
-        <p:txBody>
-          <a:bodyPr anchor="ctr"/>
-          <a:lstStyle/>
-          <a:p>
-            <a:pPr algn="ctr" eaLnBrk="1" latinLnBrk="0" hangingPunct="1"/>
-            <a:endParaRPr kumimoji="0" lang="en-US"/>
-          </a:p>
-        </p:txBody>
-      </p:sp>
-      <p:sp>
-        <p:nvSpPr>
-          <p:cNvPr id="8" name="7 Título"/>
+          <p:cNvPr id="2" name="Title 1"/>
           <p:cNvSpPr>
             <a:spLocks noGrp="1"/>
           </p:cNvSpPr>
@@ -213,58 +142,57 @@
         </p:nvSpPr>
         <p:spPr>
           <a:xfrm>
-            <a:off x="540544" y="776288"/>
-            <a:ext cx="8062912" cy="1470025"/>
+            <a:off x="685800" y="1905000"/>
+            <a:ext cx="7543800" cy="2593975"/>
           </a:xfrm>
         </p:spPr>
         <p:txBody>
-          <a:bodyPr anchor="b">
+          <a:bodyPr anchor="b"/>
+          <a:lstStyle>
+            <a:lvl1pPr>
+              <a:defRPr sz="6600">
+                <a:ln>
+                  <a:noFill/>
+                </a:ln>
+                <a:solidFill>
+                  <a:schemeClr val="tx2"/>
+                </a:solidFill>
+              </a:defRPr>
+            </a:lvl1pPr>
+          </a:lstStyle>
+          <a:p>
+            <a:r>
+              <a:rPr lang="es-ES" smtClean="0"/>
+              <a:t>Haga clic para modificar el estilo de título del patrón</a:t>
+            </a:r>
+            <a:endParaRPr lang="en-US" dirty="0"/>
+          </a:p>
+        </p:txBody>
+      </p:sp>
+      <p:sp>
+        <p:nvSpPr>
+          <p:cNvPr id="3" name="Subtitle 2"/>
+          <p:cNvSpPr>
+            <a:spLocks noGrp="1"/>
+          </p:cNvSpPr>
+          <p:nvPr>
+            <p:ph type="subTitle" idx="1"/>
+          </p:nvPr>
+        </p:nvSpPr>
+        <p:spPr>
+          <a:xfrm>
+            <a:off x="685800" y="4572000"/>
+            <a:ext cx="6461760" cy="1066800"/>
+          </a:xfrm>
+        </p:spPr>
+        <p:txBody>
+          <a:bodyPr anchor="t">
             <a:normAutofit/>
           </a:bodyPr>
           <a:lstStyle>
-            <a:lvl1pPr algn="r">
-              <a:defRPr sz="4400"/>
-            </a:lvl1pPr>
-          </a:lstStyle>
-          <a:p>
-            <a:r>
-              <a:rPr kumimoji="0" lang="es-ES" smtClean="0"/>
-              <a:t>Haga clic para modificar el estilo de título del patrón</a:t>
-            </a:r>
-            <a:endParaRPr kumimoji="0" lang="en-US"/>
-          </a:p>
-        </p:txBody>
-      </p:sp>
-      <p:sp>
-        <p:nvSpPr>
-          <p:cNvPr id="9" name="8 Subtítulo"/>
-          <p:cNvSpPr>
-            <a:spLocks noGrp="1"/>
-          </p:cNvSpPr>
-          <p:nvPr>
-            <p:ph type="subTitle" idx="1"/>
-          </p:nvPr>
-        </p:nvSpPr>
-        <p:spPr>
-          <a:xfrm>
-            <a:off x="540544" y="2250280"/>
-            <a:ext cx="8062912" cy="1752600"/>
-          </a:xfrm>
-        </p:spPr>
-        <p:txBody>
-          <a:bodyPr/>
-          <a:lstStyle>
-            <a:lvl1pPr marL="0" marR="36576" indent="0" algn="r">
-              <a:spcBef>
-                <a:spcPts val="0"/>
-              </a:spcBef>
-              <a:buNone/>
-              <a:defRPr>
-                <a:ln>
-                  <a:solidFill>
-                    <a:schemeClr val="bg2"/>
-                  </a:solidFill>
-                </a:ln>
+            <a:lvl1pPr marL="0" indent="0" algn="l">
+              <a:buNone/>
+              <a:defRPr sz="2000">
                 <a:solidFill>
                   <a:schemeClr val="tx1">
                     <a:tint val="75000"/>
@@ -274,41 +202,97 @@
             </a:lvl1pPr>
             <a:lvl2pPr marL="457200" indent="0" algn="ctr">
               <a:buNone/>
+              <a:defRPr>
+                <a:solidFill>
+                  <a:schemeClr val="tx1">
+                    <a:tint val="75000"/>
+                  </a:schemeClr>
+                </a:solidFill>
+              </a:defRPr>
             </a:lvl2pPr>
             <a:lvl3pPr marL="914400" indent="0" algn="ctr">
               <a:buNone/>
+              <a:defRPr>
+                <a:solidFill>
+                  <a:schemeClr val="tx1">
+                    <a:tint val="75000"/>
+                  </a:schemeClr>
+                </a:solidFill>
+              </a:defRPr>
             </a:lvl3pPr>
             <a:lvl4pPr marL="1371600" indent="0" algn="ctr">
               <a:buNone/>
+              <a:defRPr>
+                <a:solidFill>
+                  <a:schemeClr val="tx1">
+                    <a:tint val="75000"/>
+                  </a:schemeClr>
+                </a:solidFill>
+              </a:defRPr>
             </a:lvl4pPr>
             <a:lvl5pPr marL="1828800" indent="0" algn="ctr">
               <a:buNone/>
+              <a:defRPr>
+                <a:solidFill>
+                  <a:schemeClr val="tx1">
+                    <a:tint val="75000"/>
+                  </a:schemeClr>
+                </a:solidFill>
+              </a:defRPr>
             </a:lvl5pPr>
             <a:lvl6pPr marL="2286000" indent="0" algn="ctr">
               <a:buNone/>
+              <a:defRPr>
+                <a:solidFill>
+                  <a:schemeClr val="tx1">
+                    <a:tint val="75000"/>
+                  </a:schemeClr>
+                </a:solidFill>
+              </a:defRPr>
             </a:lvl6pPr>
             <a:lvl7pPr marL="2743200" indent="0" algn="ctr">
               <a:buNone/>
+              <a:defRPr>
+                <a:solidFill>
+                  <a:schemeClr val="tx1">
+                    <a:tint val="75000"/>
+                  </a:schemeClr>
+                </a:solidFill>
+              </a:defRPr>
             </a:lvl7pPr>
             <a:lvl8pPr marL="3200400" indent="0" algn="ctr">
               <a:buNone/>
+              <a:defRPr>
+                <a:solidFill>
+                  <a:schemeClr val="tx1">
+                    <a:tint val="75000"/>
+                  </a:schemeClr>
+                </a:solidFill>
+              </a:defRPr>
             </a:lvl8pPr>
             <a:lvl9pPr marL="3657600" indent="0" algn="ctr">
               <a:buNone/>
+              <a:defRPr>
+                <a:solidFill>
+                  <a:schemeClr val="tx1">
+                    <a:tint val="75000"/>
+                  </a:schemeClr>
+                </a:solidFill>
+              </a:defRPr>
             </a:lvl9pPr>
           </a:lstStyle>
           <a:p>
             <a:r>
-              <a:rPr kumimoji="0" lang="es-ES" smtClean="0"/>
+              <a:rPr lang="es-ES" smtClean="0"/>
               <a:t>Haga clic para modificar el estilo de subtítulo del patrón</a:t>
             </a:r>
-            <a:endParaRPr kumimoji="0" lang="en-US"/>
-          </a:p>
-        </p:txBody>
-      </p:sp>
-      <p:sp>
-        <p:nvSpPr>
-          <p:cNvPr id="28" name="27 Marcador de fecha"/>
+            <a:endParaRPr lang="en-US" dirty="0"/>
+          </a:p>
+        </p:txBody>
+      </p:sp>
+      <p:sp>
+        <p:nvSpPr>
+          <p:cNvPr id="4" name="Date Placeholder 3"/>
           <p:cNvSpPr>
             <a:spLocks noGrp="1"/>
           </p:cNvSpPr>
@@ -316,23 +300,14 @@
             <p:ph type="dt" sz="half" idx="10"/>
           </p:nvPr>
         </p:nvSpPr>
-        <p:spPr>
-          <a:xfrm>
-            <a:off x="1371600" y="6012656"/>
-            <a:ext cx="5791200" cy="365125"/>
-          </a:xfrm>
-        </p:spPr>
-        <p:txBody>
-          <a:bodyPr tIns="0" bIns="0" anchor="t"/>
-          <a:lstStyle>
-            <a:lvl1pPr algn="r">
-              <a:defRPr sz="1000"/>
-            </a:lvl1pPr>
-          </a:lstStyle>
+        <p:spPr/>
+        <p:txBody>
+          <a:bodyPr/>
+          <a:lstStyle/>
           <a:p>
             <a:fld id="{5ADA9B6C-B1AC-4632-9855-2FE3D3A8B71F}" type="datetimeFigureOut">
               <a:rPr lang="es-ES" smtClean="0"/>
-              <a:t>03/05/2014</a:t>
+              <a:t>04/05/2014</a:t>
             </a:fld>
             <a:endParaRPr lang="es-ES"/>
           </a:p>
@@ -340,7 +315,7 @@
       </p:sp>
       <p:sp>
         <p:nvSpPr>
-          <p:cNvPr id="17" name="16 Marcador de pie de página"/>
+          <p:cNvPr id="5" name="Footer Placeholder 4"/>
           <p:cNvSpPr>
             <a:spLocks noGrp="1"/>
           </p:cNvSpPr>
@@ -348,19 +323,10 @@
             <p:ph type="ftr" sz="quarter" idx="11"/>
           </p:nvPr>
         </p:nvSpPr>
-        <p:spPr>
-          <a:xfrm>
-            <a:off x="1371600" y="5650704"/>
-            <a:ext cx="5791200" cy="365125"/>
-          </a:xfrm>
-        </p:spPr>
-        <p:txBody>
-          <a:bodyPr tIns="0" bIns="0" anchor="b"/>
-          <a:lstStyle>
-            <a:lvl1pPr algn="r">
-              <a:defRPr sz="1100"/>
-            </a:lvl1pPr>
-          </a:lstStyle>
+        <p:spPr/>
+        <p:txBody>
+          <a:bodyPr/>
+          <a:lstStyle/>
           <a:p>
             <a:endParaRPr lang="es-ES"/>
           </a:p>
@@ -368,7 +334,7 @@
       </p:sp>
       <p:sp>
         <p:nvSpPr>
-          <p:cNvPr id="29" name="28 Marcador de número de diapositiva"/>
+          <p:cNvPr id="6" name="Slide Number Placeholder 5"/>
           <p:cNvSpPr>
             <a:spLocks noGrp="1"/>
           </p:cNvSpPr>
@@ -376,23 +342,10 @@
             <p:ph type="sldNum" sz="quarter" idx="12"/>
           </p:nvPr>
         </p:nvSpPr>
-        <p:spPr>
-          <a:xfrm>
-            <a:off x="8392247" y="5752307"/>
-            <a:ext cx="502920" cy="365125"/>
-          </a:xfrm>
-        </p:spPr>
-        <p:txBody>
-          <a:bodyPr anchor="ctr"/>
-          <a:lstStyle>
-            <a:lvl1pPr algn="ctr">
-              <a:defRPr sz="1300">
-                <a:solidFill>
-                  <a:srgbClr val="FFFFFF"/>
-                </a:solidFill>
-              </a:defRPr>
-            </a:lvl1pPr>
-          </a:lstStyle>
+        <p:spPr/>
+        <p:txBody>
+          <a:bodyPr/>
+          <a:lstStyle/>
           <a:p>
             <a:fld id="{A2596778-919D-4B84-A54E-F6398A820F99}" type="slidenum">
               <a:rPr lang="es-ES" smtClean="0"/>
@@ -429,7 +382,7 @@
       </p:grpSpPr>
       <p:sp>
         <p:nvSpPr>
-          <p:cNvPr id="2" name="1 Título"/>
+          <p:cNvPr id="2" name="Title 1"/>
           <p:cNvSpPr>
             <a:spLocks noGrp="1"/>
           </p:cNvSpPr>
@@ -443,16 +396,16 @@
           <a:lstStyle/>
           <a:p>
             <a:r>
-              <a:rPr kumimoji="0" lang="es-ES" smtClean="0"/>
+              <a:rPr lang="es-ES" smtClean="0"/>
               <a:t>Haga clic para modificar el estilo de título del patrón</a:t>
             </a:r>
-            <a:endParaRPr kumimoji="0" lang="en-US"/>
-          </a:p>
-        </p:txBody>
-      </p:sp>
-      <p:sp>
-        <p:nvSpPr>
-          <p:cNvPr id="3" name="2 Marcador de texto vertical"/>
+            <a:endParaRPr lang="en-US"/>
+          </a:p>
+        </p:txBody>
+      </p:sp>
+      <p:sp>
+        <p:nvSpPr>
+          <p:cNvPr id="3" name="Vertical Text Placeholder 2"/>
           <p:cNvSpPr>
             <a:spLocks noGrp="1"/>
           </p:cNvSpPr>
@@ -465,46 +418,46 @@
           <a:bodyPr vert="eaVert"/>
           <a:lstStyle/>
           <a:p>
-            <a:pPr lvl="0" eaLnBrk="1" latinLnBrk="0" hangingPunct="1"/>
+            <a:pPr lvl="0"/>
             <a:r>
               <a:rPr lang="es-ES" smtClean="0"/>
               <a:t>Haga clic para modificar el estilo de texto del patrón</a:t>
             </a:r>
           </a:p>
           <a:p>
-            <a:pPr lvl="1" eaLnBrk="1" latinLnBrk="0" hangingPunct="1"/>
+            <a:pPr lvl="1"/>
             <a:r>
               <a:rPr lang="es-ES" smtClean="0"/>
               <a:t>Segundo nivel</a:t>
             </a:r>
           </a:p>
           <a:p>
-            <a:pPr lvl="2" eaLnBrk="1" latinLnBrk="0" hangingPunct="1"/>
+            <a:pPr lvl="2"/>
             <a:r>
               <a:rPr lang="es-ES" smtClean="0"/>
               <a:t>Tercer nivel</a:t>
             </a:r>
           </a:p>
           <a:p>
-            <a:pPr lvl="3" eaLnBrk="1" latinLnBrk="0" hangingPunct="1"/>
+            <a:pPr lvl="3"/>
             <a:r>
               <a:rPr lang="es-ES" smtClean="0"/>
               <a:t>Cuarto nivel</a:t>
             </a:r>
           </a:p>
           <a:p>
-            <a:pPr lvl="4" eaLnBrk="1" latinLnBrk="0" hangingPunct="1"/>
+            <a:pPr lvl="4"/>
             <a:r>
               <a:rPr lang="es-ES" smtClean="0"/>
               <a:t>Quinto nivel</a:t>
             </a:r>
-            <a:endParaRPr kumimoji="0" lang="en-US"/>
-          </a:p>
-        </p:txBody>
-      </p:sp>
-      <p:sp>
-        <p:nvSpPr>
-          <p:cNvPr id="4" name="3 Marcador de fecha"/>
+            <a:endParaRPr lang="en-US"/>
+          </a:p>
+        </p:txBody>
+      </p:sp>
+      <p:sp>
+        <p:nvSpPr>
+          <p:cNvPr id="4" name="Date Placeholder 3"/>
           <p:cNvSpPr>
             <a:spLocks noGrp="1"/>
           </p:cNvSpPr>
@@ -519,7 +472,7 @@
           <a:p>
             <a:fld id="{5ADA9B6C-B1AC-4632-9855-2FE3D3A8B71F}" type="datetimeFigureOut">
               <a:rPr lang="es-ES" smtClean="0"/>
-              <a:t>03/05/2014</a:t>
+              <a:t>04/05/2014</a:t>
             </a:fld>
             <a:endParaRPr lang="es-ES"/>
           </a:p>
@@ -527,7 +480,7 @@
       </p:sp>
       <p:sp>
         <p:nvSpPr>
-          <p:cNvPr id="5" name="4 Marcador de pie de página"/>
+          <p:cNvPr id="5" name="Footer Placeholder 4"/>
           <p:cNvSpPr>
             <a:spLocks noGrp="1"/>
           </p:cNvSpPr>
@@ -546,7 +499,7 @@
       </p:sp>
       <p:sp>
         <p:nvSpPr>
-          <p:cNvPr id="6" name="5 Marcador de número de diapositiva"/>
+          <p:cNvPr id="6" name="Slide Number Placeholder 5"/>
           <p:cNvSpPr>
             <a:spLocks noGrp="1"/>
           </p:cNvSpPr>
@@ -594,7 +547,7 @@
       </p:grpSpPr>
       <p:sp>
         <p:nvSpPr>
-          <p:cNvPr id="2" name="1 Título vertical"/>
+          <p:cNvPr id="2" name="Vertical Title 1"/>
           <p:cNvSpPr>
             <a:spLocks noGrp="1"/>
           </p:cNvSpPr>
@@ -604,25 +557,25 @@
         </p:nvSpPr>
         <p:spPr>
           <a:xfrm>
-            <a:off x="6781800" y="381000"/>
-            <a:ext cx="1905000" cy="5486400"/>
+            <a:off x="6629400" y="274638"/>
+            <a:ext cx="1752600" cy="5851525"/>
           </a:xfrm>
         </p:spPr>
         <p:txBody>
-          <a:bodyPr vert="eaVert"/>
-          <a:lstStyle/>
-          <a:p>
-            <a:r>
-              <a:rPr kumimoji="0" lang="es-ES" smtClean="0"/>
+          <a:bodyPr vert="eaVert" anchor="b" anchorCtr="0"/>
+          <a:lstStyle/>
+          <a:p>
+            <a:r>
+              <a:rPr lang="es-ES" smtClean="0"/>
               <a:t>Haga clic para modificar el estilo de título del patrón</a:t>
             </a:r>
-            <a:endParaRPr kumimoji="0" lang="en-US"/>
-          </a:p>
-        </p:txBody>
-      </p:sp>
-      <p:sp>
-        <p:nvSpPr>
-          <p:cNvPr id="3" name="2 Marcador de texto vertical"/>
+            <a:endParaRPr lang="en-US" dirty="0"/>
+          </a:p>
+        </p:txBody>
+      </p:sp>
+      <p:sp>
+        <p:nvSpPr>
+          <p:cNvPr id="3" name="Vertical Text Placeholder 2"/>
           <p:cNvSpPr>
             <a:spLocks noGrp="1"/>
           </p:cNvSpPr>
@@ -632,54 +585,54 @@
         </p:nvSpPr>
         <p:spPr>
           <a:xfrm>
-            <a:off x="457200" y="381000"/>
-            <a:ext cx="6248400" cy="5486400"/>
+            <a:off x="457200" y="274638"/>
+            <a:ext cx="6019800" cy="5851525"/>
           </a:xfrm>
         </p:spPr>
         <p:txBody>
           <a:bodyPr vert="eaVert"/>
           <a:lstStyle/>
           <a:p>
-            <a:pPr lvl="0" eaLnBrk="1" latinLnBrk="0" hangingPunct="1"/>
+            <a:pPr lvl="0"/>
             <a:r>
               <a:rPr lang="es-ES" smtClean="0"/>
               <a:t>Haga clic para modificar el estilo de texto del patrón</a:t>
             </a:r>
           </a:p>
           <a:p>
-            <a:pPr lvl="1" eaLnBrk="1" latinLnBrk="0" hangingPunct="1"/>
+            <a:pPr lvl="1"/>
             <a:r>
               <a:rPr lang="es-ES" smtClean="0"/>
               <a:t>Segundo nivel</a:t>
             </a:r>
           </a:p>
           <a:p>
-            <a:pPr lvl="2" eaLnBrk="1" latinLnBrk="0" hangingPunct="1"/>
+            <a:pPr lvl="2"/>
             <a:r>
               <a:rPr lang="es-ES" smtClean="0"/>
               <a:t>Tercer nivel</a:t>
             </a:r>
           </a:p>
           <a:p>
-            <a:pPr lvl="3" eaLnBrk="1" latinLnBrk="0" hangingPunct="1"/>
+            <a:pPr lvl="3"/>
             <a:r>
               <a:rPr lang="es-ES" smtClean="0"/>
               <a:t>Cuarto nivel</a:t>
             </a:r>
           </a:p>
           <a:p>
-            <a:pPr lvl="4" eaLnBrk="1" latinLnBrk="0" hangingPunct="1"/>
+            <a:pPr lvl="4"/>
             <a:r>
               <a:rPr lang="es-ES" smtClean="0"/>
               <a:t>Quinto nivel</a:t>
             </a:r>
-            <a:endParaRPr kumimoji="0" lang="en-US"/>
-          </a:p>
-        </p:txBody>
-      </p:sp>
-      <p:sp>
-        <p:nvSpPr>
-          <p:cNvPr id="4" name="3 Marcador de fecha"/>
+            <a:endParaRPr lang="en-US"/>
+          </a:p>
+        </p:txBody>
+      </p:sp>
+      <p:sp>
+        <p:nvSpPr>
+          <p:cNvPr id="4" name="Date Placeholder 3"/>
           <p:cNvSpPr>
             <a:spLocks noGrp="1"/>
           </p:cNvSpPr>
@@ -694,7 +647,7 @@
           <a:p>
             <a:fld id="{5ADA9B6C-B1AC-4632-9855-2FE3D3A8B71F}" type="datetimeFigureOut">
               <a:rPr lang="es-ES" smtClean="0"/>
-              <a:t>03/05/2014</a:t>
+              <a:t>04/05/2014</a:t>
             </a:fld>
             <a:endParaRPr lang="es-ES"/>
           </a:p>
@@ -702,7 +655,7 @@
       </p:sp>
       <p:sp>
         <p:nvSpPr>
-          <p:cNvPr id="5" name="4 Marcador de pie de página"/>
+          <p:cNvPr id="5" name="Footer Placeholder 4"/>
           <p:cNvSpPr>
             <a:spLocks noGrp="1"/>
           </p:cNvSpPr>
@@ -721,7 +674,7 @@
       </p:sp>
       <p:sp>
         <p:nvSpPr>
-          <p:cNvPr id="6" name="5 Marcador de número de diapositiva"/>
+          <p:cNvPr id="6" name="Slide Number Placeholder 5"/>
           <p:cNvSpPr>
             <a:spLocks noGrp="1"/>
           </p:cNvSpPr>
@@ -769,7 +722,7 @@
       </p:grpSpPr>
       <p:sp>
         <p:nvSpPr>
-          <p:cNvPr id="2" name="1 Título"/>
+          <p:cNvPr id="2" name="Title 1"/>
           <p:cNvSpPr>
             <a:spLocks noGrp="1"/>
           </p:cNvSpPr>
@@ -777,27 +730,22 @@
             <p:ph type="title"/>
           </p:nvPr>
         </p:nvSpPr>
-        <p:spPr>
-          <a:xfrm>
-            <a:off x="457200" y="267494"/>
-            <a:ext cx="8229600" cy="1399032"/>
-          </a:xfrm>
-        </p:spPr>
-        <p:txBody>
-          <a:bodyPr/>
-          <a:lstStyle/>
-          <a:p>
-            <a:r>
-              <a:rPr kumimoji="0" lang="es-ES" smtClean="0"/>
+        <p:spPr/>
+        <p:txBody>
+          <a:bodyPr/>
+          <a:lstStyle/>
+          <a:p>
+            <a:r>
+              <a:rPr lang="es-ES" smtClean="0"/>
               <a:t>Haga clic para modificar el estilo de título del patrón</a:t>
             </a:r>
-            <a:endParaRPr kumimoji="0" lang="en-US"/>
-          </a:p>
-        </p:txBody>
-      </p:sp>
-      <p:sp>
-        <p:nvSpPr>
-          <p:cNvPr id="3" name="2 Marcador de contenido"/>
+            <a:endParaRPr lang="en-US"/>
+          </a:p>
+        </p:txBody>
+      </p:sp>
+      <p:sp>
+        <p:nvSpPr>
+          <p:cNvPr id="3" name="Content Placeholder 2"/>
           <p:cNvSpPr>
             <a:spLocks noGrp="1"/>
           </p:cNvSpPr>
@@ -805,56 +753,51 @@
             <p:ph idx="1"/>
           </p:nvPr>
         </p:nvSpPr>
-        <p:spPr>
-          <a:xfrm>
-            <a:off x="457200" y="1882808"/>
-            <a:ext cx="8229600" cy="4572000"/>
-          </a:xfrm>
-        </p:spPr>
-        <p:txBody>
-          <a:bodyPr/>
-          <a:lstStyle/>
-          <a:p>
-            <a:pPr lvl="0" eaLnBrk="1" latinLnBrk="0" hangingPunct="1"/>
+        <p:spPr/>
+        <p:txBody>
+          <a:bodyPr/>
+          <a:lstStyle/>
+          <a:p>
+            <a:pPr lvl="0"/>
             <a:r>
               <a:rPr lang="es-ES" smtClean="0"/>
               <a:t>Haga clic para modificar el estilo de texto del patrón</a:t>
             </a:r>
           </a:p>
           <a:p>
-            <a:pPr lvl="1" eaLnBrk="1" latinLnBrk="0" hangingPunct="1"/>
+            <a:pPr lvl="1"/>
             <a:r>
               <a:rPr lang="es-ES" smtClean="0"/>
               <a:t>Segundo nivel</a:t>
             </a:r>
           </a:p>
           <a:p>
-            <a:pPr lvl="2" eaLnBrk="1" latinLnBrk="0" hangingPunct="1"/>
+            <a:pPr lvl="2"/>
             <a:r>
               <a:rPr lang="es-ES" smtClean="0"/>
               <a:t>Tercer nivel</a:t>
             </a:r>
           </a:p>
           <a:p>
-            <a:pPr lvl="3" eaLnBrk="1" latinLnBrk="0" hangingPunct="1"/>
+            <a:pPr lvl="3"/>
             <a:r>
               <a:rPr lang="es-ES" smtClean="0"/>
               <a:t>Cuarto nivel</a:t>
             </a:r>
           </a:p>
           <a:p>
-            <a:pPr lvl="4" eaLnBrk="1" latinLnBrk="0" hangingPunct="1"/>
+            <a:pPr lvl="4"/>
             <a:r>
               <a:rPr lang="es-ES" smtClean="0"/>
               <a:t>Quinto nivel</a:t>
             </a:r>
-            <a:endParaRPr kumimoji="0" lang="en-US"/>
-          </a:p>
-        </p:txBody>
-      </p:sp>
-      <p:sp>
-        <p:nvSpPr>
-          <p:cNvPr id="4" name="3 Marcador de fecha"/>
+            <a:endParaRPr lang="en-US"/>
+          </a:p>
+        </p:txBody>
+      </p:sp>
+      <p:sp>
+        <p:nvSpPr>
+          <p:cNvPr id="4" name="Date Placeholder 3"/>
           <p:cNvSpPr>
             <a:spLocks noGrp="1"/>
           </p:cNvSpPr>
@@ -862,19 +805,14 @@
             <p:ph type="dt" sz="half" idx="10"/>
           </p:nvPr>
         </p:nvSpPr>
-        <p:spPr>
-          <a:xfrm>
-            <a:off x="4791456" y="6480048"/>
-            <a:ext cx="2133600" cy="301752"/>
-          </a:xfrm>
-        </p:spPr>
+        <p:spPr/>
         <p:txBody>
           <a:bodyPr/>
           <a:lstStyle/>
           <a:p>
             <a:fld id="{5ADA9B6C-B1AC-4632-9855-2FE3D3A8B71F}" type="datetimeFigureOut">
               <a:rPr lang="es-ES" smtClean="0"/>
-              <a:t>03/05/2014</a:t>
+              <a:t>04/05/2014</a:t>
             </a:fld>
             <a:endParaRPr lang="es-ES"/>
           </a:p>
@@ -882,7 +820,7 @@
       </p:sp>
       <p:sp>
         <p:nvSpPr>
-          <p:cNvPr id="5" name="4 Marcador de pie de página"/>
+          <p:cNvPr id="5" name="Footer Placeholder 4"/>
           <p:cNvSpPr>
             <a:spLocks noGrp="1"/>
           </p:cNvSpPr>
@@ -890,12 +828,7 @@
             <p:ph type="ftr" sz="quarter" idx="11"/>
           </p:nvPr>
         </p:nvSpPr>
-        <p:spPr>
-          <a:xfrm>
-            <a:off x="457200" y="6480969"/>
-            <a:ext cx="4260056" cy="300831"/>
-          </a:xfrm>
-        </p:spPr>
+        <p:spPr/>
         <p:txBody>
           <a:bodyPr/>
           <a:lstStyle/>
@@ -906,7 +839,7 @@
       </p:sp>
       <p:sp>
         <p:nvSpPr>
-          <p:cNvPr id="6" name="5 Marcador de número de diapositiva"/>
+          <p:cNvPr id="6" name="Slide Number Placeholder 5"/>
           <p:cNvSpPr>
             <a:spLocks noGrp="1"/>
           </p:cNvSpPr>
@@ -936,13 +869,8 @@
 </file>
 
 <file path=ppt/slideLayouts/slideLayout3.xml><?xml version="1.0" encoding="utf-8"?>
-<p:sldLayout xmlns:a="http://schemas.openxmlformats.org/drawingml/2006/main" xmlns:r="http://schemas.openxmlformats.org/officeDocument/2006/relationships" xmlns:p="http://schemas.openxmlformats.org/presentationml/2006/main" showMasterSp="0" type="secHead" preserve="1">
+<p:sldLayout xmlns:a="http://schemas.openxmlformats.org/drawingml/2006/main" xmlns:r="http://schemas.openxmlformats.org/officeDocument/2006/relationships" xmlns:p="http://schemas.openxmlformats.org/presentationml/2006/main" type="secHead" preserve="1">
   <p:cSld name="Encabezado de sección">
-    <p:bg>
-      <p:bgRef idx="1002">
-        <a:schemeClr val="bg1"/>
-      </p:bgRef>
-    </p:bg>
     <p:spTree>
       <p:nvGrpSpPr>
         <p:cNvPr id="1" name=""/>
@@ -959,363 +887,56 @@
       </p:grpSpPr>
       <p:sp>
         <p:nvSpPr>
-          <p:cNvPr id="9" name="8 Triángulo rectángulo"/>
-          <p:cNvSpPr/>
-          <p:nvPr/>
-        </p:nvSpPr>
-        <p:spPr>
-          <a:xfrm flipV="1">
-            <a:off x="7034" y="7034"/>
-            <a:ext cx="9129932" cy="6836899"/>
-          </a:xfrm>
-          <a:prstGeom prst="rtTriangle">
-            <a:avLst/>
-          </a:prstGeom>
-          <a:gradFill flip="none" rotWithShape="1">
-            <a:gsLst>
-              <a:gs pos="0">
-                <a:schemeClr val="tx2">
-                  <a:alpha val="10000"/>
-                </a:schemeClr>
-              </a:gs>
-              <a:gs pos="70000">
-                <a:schemeClr val="tx2">
-                  <a:alpha val="8000"/>
-                </a:schemeClr>
-              </a:gs>
-              <a:gs pos="100000">
-                <a:schemeClr val="tx2">
-                  <a:alpha val="1000"/>
-                </a:schemeClr>
-              </a:gs>
-            </a:gsLst>
-            <a:lin ang="8000000" scaled="1"/>
-            <a:tileRect/>
-          </a:gradFill>
-          <a:ln w="38100" cap="rnd" cmpd="sng" algn="ctr">
-            <a:noFill/>
-            <a:prstDash val="solid"/>
-          </a:ln>
-          <a:effectLst/>
-        </p:spPr>
-        <p:style>
-          <a:lnRef idx="3">
-            <a:schemeClr val="lt1"/>
-          </a:lnRef>
-          <a:fillRef idx="1">
-            <a:schemeClr val="accent1"/>
-          </a:fillRef>
-          <a:effectRef idx="1">
-            <a:schemeClr val="accent1"/>
-          </a:effectRef>
-          <a:fontRef idx="minor">
-            <a:schemeClr val="lt1"/>
-          </a:fontRef>
-        </p:style>
-        <p:txBody>
-          <a:bodyPr anchor="ctr"/>
-          <a:lstStyle/>
-          <a:p>
-            <a:pPr marL="0" algn="ctr" defTabSz="914400" rtl="0" eaLnBrk="1" latinLnBrk="0" hangingPunct="1"/>
-            <a:endParaRPr kumimoji="0" lang="en-US" sz="1800" kern="1200">
-              <a:solidFill>
-                <a:schemeClr val="lt1"/>
-              </a:solidFill>
-              <a:latin typeface="+mn-lt"/>
-              <a:ea typeface="+mn-ea"/>
-              <a:cs typeface="+mn-cs"/>
-            </a:endParaRPr>
-          </a:p>
-        </p:txBody>
-      </p:sp>
-      <p:sp>
-        <p:nvSpPr>
-          <p:cNvPr id="8" name="7 Triángulo isósceles"/>
-          <p:cNvSpPr/>
-          <p:nvPr/>
-        </p:nvSpPr>
-        <p:spPr>
-          <a:xfrm rot="5400000" flipV="1">
-            <a:off x="7554353" y="309490"/>
-            <a:ext cx="1892949" cy="1294228"/>
-          </a:xfrm>
-          <a:prstGeom prst="triangle">
-            <a:avLst>
-              <a:gd name="adj" fmla="val 51323"/>
-            </a:avLst>
-          </a:prstGeom>
-          <a:gradFill flip="none" rotWithShape="1">
-            <a:gsLst>
-              <a:gs pos="0">
-                <a:schemeClr val="accent1">
-                  <a:shade val="30000"/>
-                  <a:satMod val="155000"/>
-                  <a:alpha val="100000"/>
-                </a:schemeClr>
-              </a:gs>
-              <a:gs pos="60000">
-                <a:schemeClr val="accent1">
-                  <a:satMod val="160000"/>
-                  <a:alpha val="100000"/>
-                </a:schemeClr>
-              </a:gs>
-              <a:gs pos="100000">
-                <a:schemeClr val="accent1">
-                  <a:tint val="70000"/>
-                  <a:satMod val="200000"/>
-                  <a:alpha val="100000"/>
-                </a:schemeClr>
-              </a:gs>
-            </a:gsLst>
-            <a:lin ang="15500000" scaled="1"/>
-            <a:tileRect/>
-          </a:gradFill>
-          <a:ln w="38100" cap="rnd" cmpd="sng" algn="ctr">
-            <a:noFill/>
-            <a:prstDash val="solid"/>
-          </a:ln>
-          <a:effectLst/>
-        </p:spPr>
-        <p:style>
-          <a:lnRef idx="3">
-            <a:schemeClr val="lt1"/>
-          </a:lnRef>
-          <a:fillRef idx="1">
-            <a:schemeClr val="accent1"/>
-          </a:fillRef>
-          <a:effectRef idx="1">
-            <a:schemeClr val="accent1"/>
-          </a:effectRef>
-          <a:fontRef idx="minor">
-            <a:schemeClr val="lt1"/>
-          </a:fontRef>
-        </p:style>
-        <p:txBody>
-          <a:bodyPr anchor="ctr"/>
-          <a:lstStyle/>
-          <a:p>
-            <a:pPr algn="ctr" eaLnBrk="1" latinLnBrk="0" hangingPunct="1"/>
-            <a:endParaRPr kumimoji="0" lang="en-US"/>
-          </a:p>
-        </p:txBody>
-      </p:sp>
-      <p:sp>
-        <p:nvSpPr>
-          <p:cNvPr id="4" name="3 Marcador de fecha"/>
-          <p:cNvSpPr>
-            <a:spLocks noGrp="1"/>
-          </p:cNvSpPr>
-          <p:nvPr>
-            <p:ph type="dt" sz="half" idx="10"/>
+          <p:cNvPr id="2" name="Title 1"/>
+          <p:cNvSpPr>
+            <a:spLocks noGrp="1"/>
+          </p:cNvSpPr>
+          <p:nvPr>
+            <p:ph type="title"/>
           </p:nvPr>
         </p:nvSpPr>
         <p:spPr>
           <a:xfrm>
-            <a:off x="6955632" y="6477000"/>
-            <a:ext cx="2133600" cy="304800"/>
+            <a:off x="722313" y="5486400"/>
+            <a:ext cx="7659687" cy="1168400"/>
           </a:xfrm>
         </p:spPr>
         <p:txBody>
-          <a:bodyPr/>
-          <a:lstStyle/>
-          <a:p>
-            <a:fld id="{5ADA9B6C-B1AC-4632-9855-2FE3D3A8B71F}" type="datetimeFigureOut">
-              <a:rPr lang="es-ES" smtClean="0"/>
-              <a:t>03/05/2014</a:t>
-            </a:fld>
-            <a:endParaRPr lang="es-ES"/>
-          </a:p>
-        </p:txBody>
-      </p:sp>
-      <p:sp>
-        <p:nvSpPr>
-          <p:cNvPr id="5" name="4 Marcador de pie de página"/>
-          <p:cNvSpPr>
-            <a:spLocks noGrp="1"/>
-          </p:cNvSpPr>
-          <p:nvPr>
-            <p:ph type="ftr" sz="quarter" idx="11"/>
+          <a:bodyPr anchor="t"/>
+          <a:lstStyle>
+            <a:lvl1pPr algn="l">
+              <a:defRPr sz="3600" b="0" cap="all"/>
+            </a:lvl1pPr>
+          </a:lstStyle>
+          <a:p>
+            <a:r>
+              <a:rPr lang="es-ES" smtClean="0"/>
+              <a:t>Haga clic para modificar el estilo de título del patrón</a:t>
+            </a:r>
+            <a:endParaRPr lang="en-US" dirty="0"/>
+          </a:p>
+        </p:txBody>
+      </p:sp>
+      <p:sp>
+        <p:nvSpPr>
+          <p:cNvPr id="3" name="Text Placeholder 2"/>
+          <p:cNvSpPr>
+            <a:spLocks noGrp="1"/>
+          </p:cNvSpPr>
+          <p:nvPr>
+            <p:ph type="body" idx="1"/>
           </p:nvPr>
         </p:nvSpPr>
         <p:spPr>
           <a:xfrm>
-            <a:off x="2619376" y="6480969"/>
-            <a:ext cx="4260056" cy="300831"/>
+            <a:off x="722313" y="3852863"/>
+            <a:ext cx="6135687" cy="1633538"/>
           </a:xfrm>
         </p:spPr>
         <p:txBody>
-          <a:bodyPr/>
-          <a:lstStyle/>
-          <a:p>
-            <a:endParaRPr lang="es-ES"/>
-          </a:p>
-        </p:txBody>
-      </p:sp>
-      <p:sp>
-        <p:nvSpPr>
-          <p:cNvPr id="6" name="5 Marcador de número de diapositiva"/>
-          <p:cNvSpPr>
-            <a:spLocks noGrp="1"/>
-          </p:cNvSpPr>
-          <p:nvPr>
-            <p:ph type="sldNum" sz="quarter" idx="12"/>
-          </p:nvPr>
-        </p:nvSpPr>
-        <p:spPr>
-          <a:xfrm>
-            <a:off x="8451056" y="809624"/>
-            <a:ext cx="502920" cy="300831"/>
-          </a:xfrm>
-        </p:spPr>
-        <p:txBody>
-          <a:bodyPr/>
-          <a:lstStyle/>
-          <a:p>
-            <a:fld id="{A2596778-919D-4B84-A54E-F6398A820F99}" type="slidenum">
-              <a:rPr lang="es-ES" smtClean="0"/>
-              <a:t>‹Nº›</a:t>
-            </a:fld>
-            <a:endParaRPr lang="es-ES"/>
-          </a:p>
-        </p:txBody>
-      </p:sp>
-      <p:cxnSp>
-        <p:nvCxnSpPr>
-          <p:cNvPr id="11" name="10 Conector recto"/>
-          <p:cNvCxnSpPr/>
-          <p:nvPr/>
-        </p:nvCxnSpPr>
-        <p:spPr>
-          <a:xfrm rot="10800000">
-            <a:off x="6468794" y="9381"/>
-            <a:ext cx="2672861" cy="1900210"/>
-          </a:xfrm>
-          <a:prstGeom prst="line">
-            <a:avLst/>
-          </a:prstGeom>
-          <a:noFill/>
-          <a:ln w="6000" cap="rnd" cmpd="sng" algn="ctr">
-            <a:solidFill>
-              <a:schemeClr val="bg2">
-                <a:tint val="50000"/>
-                <a:satMod val="200000"/>
-                <a:alpha val="45000"/>
-              </a:schemeClr>
-            </a:solidFill>
-            <a:prstDash val="solid"/>
-          </a:ln>
-          <a:effectLst/>
-        </p:spPr>
-        <p:style>
-          <a:lnRef idx="2">
-            <a:schemeClr val="accent1"/>
-          </a:lnRef>
-          <a:fillRef idx="0">
-            <a:schemeClr val="accent1"/>
-          </a:fillRef>
-          <a:effectRef idx="1">
-            <a:schemeClr val="accent1"/>
-          </a:effectRef>
-          <a:fontRef idx="minor">
-            <a:schemeClr val="tx1"/>
-          </a:fontRef>
-        </p:style>
-      </p:cxnSp>
-      <p:cxnSp>
-        <p:nvCxnSpPr>
-          <p:cNvPr id="10" name="9 Conector recto"/>
-          <p:cNvCxnSpPr/>
-          <p:nvPr/>
-        </p:nvCxnSpPr>
-        <p:spPr>
-          <a:xfrm flipV="1">
-            <a:off x="0" y="7034"/>
-            <a:ext cx="9136966" cy="6843933"/>
-          </a:xfrm>
-          <a:prstGeom prst="line">
-            <a:avLst/>
-          </a:prstGeom>
-          <a:noFill/>
-          <a:ln w="5000" cap="rnd" cmpd="sng" algn="ctr">
-            <a:solidFill>
-              <a:schemeClr val="bg2">
-                <a:tint val="55000"/>
-                <a:satMod val="200000"/>
-                <a:alpha val="35000"/>
-              </a:schemeClr>
-            </a:solidFill>
-            <a:prstDash val="solid"/>
-          </a:ln>
-          <a:effectLst/>
-        </p:spPr>
-        <p:style>
-          <a:lnRef idx="2">
-            <a:schemeClr val="accent1"/>
-          </a:lnRef>
-          <a:fillRef idx="0">
-            <a:schemeClr val="accent1"/>
-          </a:fillRef>
-          <a:effectRef idx="1">
-            <a:schemeClr val="accent1"/>
-          </a:effectRef>
-          <a:fontRef idx="minor">
-            <a:schemeClr val="tx1"/>
-          </a:fontRef>
-        </p:style>
-      </p:cxnSp>
-      <p:sp>
-        <p:nvSpPr>
-          <p:cNvPr id="2" name="1 Título"/>
-          <p:cNvSpPr>
-            <a:spLocks noGrp="1"/>
-          </p:cNvSpPr>
-          <p:nvPr>
-            <p:ph type="title"/>
-          </p:nvPr>
-        </p:nvSpPr>
-        <p:spPr>
-          <a:xfrm>
-            <a:off x="381000" y="271464"/>
-            <a:ext cx="7239000" cy="1362075"/>
-          </a:xfrm>
-        </p:spPr>
-        <p:txBody>
-          <a:bodyPr anchor="ctr"/>
+          <a:bodyPr anchor="b"/>
           <a:lstStyle>
-            <a:lvl1pPr marL="0" algn="l">
-              <a:buNone/>
-              <a:defRPr sz="3600" b="1" cap="none" baseline="0"/>
-            </a:lvl1pPr>
-          </a:lstStyle>
-          <a:p>
-            <a:r>
-              <a:rPr kumimoji="0" lang="es-ES" smtClean="0"/>
-              <a:t>Haga clic para modificar el estilo de título del patrón</a:t>
-            </a:r>
-            <a:endParaRPr kumimoji="0" lang="en-US"/>
-          </a:p>
-        </p:txBody>
-      </p:sp>
-      <p:sp>
-        <p:nvSpPr>
-          <p:cNvPr id="3" name="2 Marcador de texto"/>
-          <p:cNvSpPr>
-            <a:spLocks noGrp="1"/>
-          </p:cNvSpPr>
-          <p:nvPr>
-            <p:ph type="body" idx="1"/>
-          </p:nvPr>
-        </p:nvSpPr>
-        <p:spPr>
-          <a:xfrm>
-            <a:off x="381000" y="1633536"/>
-            <a:ext cx="3886200" cy="2286000"/>
-          </a:xfrm>
-        </p:spPr>
-        <p:txBody>
-          <a:bodyPr anchor="t"/>
-          <a:lstStyle>
-            <a:lvl1pPr marL="54864" indent="0" algn="l">
+            <a:lvl1pPr marL="0" indent="0">
               <a:buNone/>
               <a:defRPr sz="2000">
                 <a:solidFill>
@@ -1325,7 +946,7 @@
                 </a:solidFill>
               </a:defRPr>
             </a:lvl1pPr>
-            <a:lvl2pPr>
+            <a:lvl2pPr marL="457200" indent="0">
               <a:buNone/>
               <a:defRPr sz="1800">
                 <a:solidFill>
@@ -1335,7 +956,7 @@
                 </a:solidFill>
               </a:defRPr>
             </a:lvl2pPr>
-            <a:lvl3pPr>
+            <a:lvl3pPr marL="914400" indent="0">
               <a:buNone/>
               <a:defRPr sz="1600">
                 <a:solidFill>
@@ -1345,7 +966,7 @@
                 </a:solidFill>
               </a:defRPr>
             </a:lvl3pPr>
-            <a:lvl4pPr>
+            <a:lvl4pPr marL="1371600" indent="0">
               <a:buNone/>
               <a:defRPr sz="1400">
                 <a:solidFill>
@@ -1355,7 +976,7 @@
                 </a:solidFill>
               </a:defRPr>
             </a:lvl4pPr>
-            <a:lvl5pPr>
+            <a:lvl5pPr marL="1828800" indent="0">
               <a:buNone/>
               <a:defRPr sz="1400">
                 <a:solidFill>
@@ -1365,20 +986,125 @@
                 </a:solidFill>
               </a:defRPr>
             </a:lvl5pPr>
+            <a:lvl6pPr marL="2286000" indent="0">
+              <a:buNone/>
+              <a:defRPr sz="1400">
+                <a:solidFill>
+                  <a:schemeClr val="tx1">
+                    <a:tint val="75000"/>
+                  </a:schemeClr>
+                </a:solidFill>
+              </a:defRPr>
+            </a:lvl6pPr>
+            <a:lvl7pPr marL="2743200" indent="0">
+              <a:buNone/>
+              <a:defRPr sz="1400">
+                <a:solidFill>
+                  <a:schemeClr val="tx1">
+                    <a:tint val="75000"/>
+                  </a:schemeClr>
+                </a:solidFill>
+              </a:defRPr>
+            </a:lvl7pPr>
+            <a:lvl8pPr marL="3200400" indent="0">
+              <a:buNone/>
+              <a:defRPr sz="1400">
+                <a:solidFill>
+                  <a:schemeClr val="tx1">
+                    <a:tint val="75000"/>
+                  </a:schemeClr>
+                </a:solidFill>
+              </a:defRPr>
+            </a:lvl8pPr>
+            <a:lvl9pPr marL="3657600" indent="0">
+              <a:buNone/>
+              <a:defRPr sz="1400">
+                <a:solidFill>
+                  <a:schemeClr val="tx1">
+                    <a:tint val="75000"/>
+                  </a:schemeClr>
+                </a:solidFill>
+              </a:defRPr>
+            </a:lvl9pPr>
           </a:lstStyle>
           <a:p>
-            <a:pPr lvl="0" eaLnBrk="1" latinLnBrk="0" hangingPunct="1"/>
-            <a:r>
-              <a:rPr kumimoji="0" lang="es-ES" smtClean="0"/>
+            <a:pPr lvl="0"/>
+            <a:r>
+              <a:rPr lang="es-ES" smtClean="0"/>
               <a:t>Haga clic para modificar el estilo de texto del patrón</a:t>
             </a:r>
+          </a:p>
+        </p:txBody>
+      </p:sp>
+      <p:sp>
+        <p:nvSpPr>
+          <p:cNvPr id="4" name="Date Placeholder 3"/>
+          <p:cNvSpPr>
+            <a:spLocks noGrp="1"/>
+          </p:cNvSpPr>
+          <p:nvPr>
+            <p:ph type="dt" sz="half" idx="10"/>
+          </p:nvPr>
+        </p:nvSpPr>
+        <p:spPr/>
+        <p:txBody>
+          <a:bodyPr/>
+          <a:lstStyle/>
+          <a:p>
+            <a:fld id="{5ADA9B6C-B1AC-4632-9855-2FE3D3A8B71F}" type="datetimeFigureOut">
+              <a:rPr lang="es-ES" smtClean="0"/>
+              <a:t>04/05/2014</a:t>
+            </a:fld>
+            <a:endParaRPr lang="es-ES"/>
+          </a:p>
+        </p:txBody>
+      </p:sp>
+      <p:sp>
+        <p:nvSpPr>
+          <p:cNvPr id="5" name="Footer Placeholder 4"/>
+          <p:cNvSpPr>
+            <a:spLocks noGrp="1"/>
+          </p:cNvSpPr>
+          <p:nvPr>
+            <p:ph type="ftr" sz="quarter" idx="11"/>
+          </p:nvPr>
+        </p:nvSpPr>
+        <p:spPr/>
+        <p:txBody>
+          <a:bodyPr/>
+          <a:lstStyle/>
+          <a:p>
+            <a:endParaRPr lang="es-ES"/>
+          </a:p>
+        </p:txBody>
+      </p:sp>
+      <p:sp>
+        <p:nvSpPr>
+          <p:cNvPr id="6" name="Slide Number Placeholder 5"/>
+          <p:cNvSpPr>
+            <a:spLocks noGrp="1"/>
+          </p:cNvSpPr>
+          <p:nvPr>
+            <p:ph type="sldNum" sz="quarter" idx="12"/>
+          </p:nvPr>
+        </p:nvSpPr>
+        <p:spPr/>
+        <p:txBody>
+          <a:bodyPr/>
+          <a:lstStyle/>
+          <a:p>
+            <a:fld id="{A2596778-919D-4B84-A54E-F6398A820F99}" type="slidenum">
+              <a:rPr lang="es-ES" smtClean="0"/>
+              <a:t>‹Nº›</a:t>
+            </a:fld>
+            <a:endParaRPr lang="es-ES"/>
           </a:p>
         </p:txBody>
       </p:sp>
     </p:spTree>
   </p:cSld>
   <p:clrMapOvr>
-    <a:overrideClrMapping bg1="dk1" tx1="lt1" bg2="dk2" tx2="lt2" accent1="accent1" accent2="accent2" accent3="accent3" accent4="accent4" accent5="accent5" accent6="accent6" hlink="hlink" folHlink="folHlink"/>
+    <a:masterClrMapping/>
   </p:clrMapOvr>
 </p:sldLayout>
 </file>
@@ -1402,7 +1128,7 @@
       </p:grpSpPr>
       <p:sp>
         <p:nvSpPr>
-          <p:cNvPr id="2" name="1 Título"/>
+          <p:cNvPr id="2" name="Title 1"/>
           <p:cNvSpPr>
             <a:spLocks noGrp="1"/>
           </p:cNvSpPr>
@@ -1413,23 +1139,19 @@
         <p:spPr/>
         <p:txBody>
           <a:bodyPr/>
-          <a:lstStyle>
-            <a:lvl1pPr marL="0" algn="l">
-              <a:defRPr/>
-            </a:lvl1pPr>
-          </a:lstStyle>
-          <a:p>
-            <a:r>
-              <a:rPr kumimoji="0" lang="es-ES" smtClean="0"/>
+          <a:lstStyle/>
+          <a:p>
+            <a:r>
+              <a:rPr lang="es-ES" smtClean="0"/>
               <a:t>Haga clic para modificar el estilo de título del patrón</a:t>
             </a:r>
-            <a:endParaRPr kumimoji="0" lang="en-US"/>
-          </a:p>
-        </p:txBody>
-      </p:sp>
-      <p:sp>
-        <p:nvSpPr>
-          <p:cNvPr id="3" name="2 Marcador de contenido"/>
+            <a:endParaRPr lang="en-US"/>
+          </a:p>
+        </p:txBody>
+      </p:sp>
+      <p:sp>
+        <p:nvSpPr>
+          <p:cNvPr id="3" name="Content Placeholder 2"/>
           <p:cNvSpPr>
             <a:spLocks noGrp="1"/>
           </p:cNvSpPr>
@@ -1439,15 +1161,15 @@
         </p:nvSpPr>
         <p:spPr>
           <a:xfrm>
-            <a:off x="457200" y="1722437"/>
-            <a:ext cx="4038600" cy="4525963"/>
+            <a:off x="457200" y="1536192"/>
+            <a:ext cx="3657600" cy="4590288"/>
           </a:xfrm>
         </p:spPr>
         <p:txBody>
           <a:bodyPr/>
           <a:lstStyle>
             <a:lvl1pPr>
-              <a:defRPr sz="2600"/>
+              <a:defRPr sz="2800"/>
             </a:lvl1pPr>
             <a:lvl2pPr>
               <a:defRPr sz="2400"/>
@@ -1461,48 +1183,60 @@
             <a:lvl5pPr>
               <a:defRPr sz="1800"/>
             </a:lvl5pPr>
+            <a:lvl6pPr>
+              <a:defRPr sz="1800"/>
+            </a:lvl6pPr>
+            <a:lvl7pPr>
+              <a:defRPr sz="1800"/>
+            </a:lvl7pPr>
+            <a:lvl8pPr>
+              <a:defRPr sz="1800"/>
+            </a:lvl8pPr>
+            <a:lvl9pPr>
+              <a:defRPr sz="1800"/>
+            </a:lvl9pPr>
           </a:lstStyle>
           <a:p>
-            <a:pPr lvl="0" eaLnBrk="1" latinLnBrk="0" hangingPunct="1"/>
+            <a:pPr lvl="0"/>
             <a:r>
               <a:rPr lang="es-ES" smtClean="0"/>
               <a:t>Haga clic para modificar el estilo de texto del patrón</a:t>
             </a:r>
           </a:p>
           <a:p>
-            <a:pPr lvl="1" eaLnBrk="1" latinLnBrk="0" hangingPunct="1"/>
+            <a:pPr lvl="1"/>
             <a:r>
               <a:rPr lang="es-ES" smtClean="0"/>
               <a:t>Segundo nivel</a:t>
             </a:r>
           </a:p>
           <a:p>
-            <a:pPr lvl="2" eaLnBrk="1" latinLnBrk="0" hangingPunct="1"/>
+            <a:pPr lvl="2"/>
             <a:r>
               <a:rPr lang="es-ES" smtClean="0"/>
               <a:t>Tercer nivel</a:t>
             </a:r>
           </a:p>
           <a:p>
-            <a:pPr lvl="3" eaLnBrk="1" latinLnBrk="0" hangingPunct="1"/>
+            <a:pPr lvl="3"/>
             <a:r>
               <a:rPr lang="es-ES" smtClean="0"/>
               <a:t>Cuarto nivel</a:t>
             </a:r>
           </a:p>
           <a:p>
-            <a:pPr lvl="4" eaLnBrk="1" latinLnBrk="0" hangingPunct="1"/>
+            <a:pPr lvl="4"/>
             <a:r>
               <a:rPr lang="es-ES" smtClean="0"/>
               <a:t>Quinto nivel</a:t>
             </a:r>
-            <a:endParaRPr kumimoji="0" lang="en-US"/>
-          </a:p>
-        </p:txBody>
-      </p:sp>
-      <p:sp>
-        <p:nvSpPr>
-          <p:cNvPr id="4" name="3 Marcador de contenido"/>
+            <a:endParaRPr lang="en-US" dirty="0"/>
+          </a:p>
+        </p:txBody>
+      </p:sp>
+      <p:sp>
+        <p:nvSpPr>
+          <p:cNvPr id="4" name="Content Placeholder 3"/>
           <p:cNvSpPr>
             <a:spLocks noGrp="1"/>
           </p:cNvSpPr>
@@ -1512,15 +1246,15 @@
         </p:nvSpPr>
         <p:spPr>
           <a:xfrm>
-            <a:off x="4648200" y="1722437"/>
-            <a:ext cx="4038600" cy="4525963"/>
+            <a:off x="4419600" y="1536192"/>
+            <a:ext cx="3657600" cy="4590288"/>
           </a:xfrm>
         </p:spPr>
         <p:txBody>
           <a:bodyPr/>
           <a:lstStyle>
             <a:lvl1pPr>
-              <a:defRPr sz="2600"/>
+              <a:defRPr sz="2800"/>
             </a:lvl1pPr>
             <a:lvl2pPr>
               <a:defRPr sz="2400"/>
@@ -1534,48 +1268,60 @@
             <a:lvl5pPr>
               <a:defRPr sz="1800"/>
             </a:lvl5pPr>
+            <a:lvl6pPr>
+              <a:defRPr sz="1800"/>
+            </a:lvl6pPr>
+            <a:lvl7pPr>
+              <a:defRPr sz="1800"/>
+            </a:lvl7pPr>
+            <a:lvl8pPr>
+              <a:defRPr sz="1800"/>
+            </a:lvl8pPr>
+            <a:lvl9pPr>
+              <a:defRPr sz="1800"/>
+            </a:lvl9pPr>
           </a:lstStyle>
           <a:p>
-            <a:pPr lvl="0" eaLnBrk="1" latinLnBrk="0" hangingPunct="1"/>
+            <a:pPr lvl="0"/>
             <a:r>
               <a:rPr lang="es-ES" smtClean="0"/>
               <a:t>Haga clic para modificar el estilo de texto del patrón</a:t>
             </a:r>
           </a:p>
           <a:p>
-            <a:pPr lvl="1" eaLnBrk="1" latinLnBrk="0" hangingPunct="1"/>
+            <a:pPr lvl="1"/>
             <a:r>
               <a:rPr lang="es-ES" smtClean="0"/>
               <a:t>Segundo nivel</a:t>
             </a:r>
           </a:p>
           <a:p>
-            <a:pPr lvl="2" eaLnBrk="1" latinLnBrk="0" hangingPunct="1"/>
+            <a:pPr lvl="2"/>
             <a:r>
               <a:rPr lang="es-ES" smtClean="0"/>
               <a:t>Tercer nivel</a:t>
             </a:r>
           </a:p>
           <a:p>
-            <a:pPr lvl="3" eaLnBrk="1" latinLnBrk="0" hangingPunct="1"/>
+            <a:pPr lvl="3"/>
             <a:r>
               <a:rPr lang="es-ES" smtClean="0"/>
               <a:t>Cuarto nivel</a:t>
             </a:r>
           </a:p>
           <a:p>
-            <a:pPr lvl="4" eaLnBrk="1" latinLnBrk="0" hangingPunct="1"/>
+            <a:pPr lvl="4"/>
             <a:r>
               <a:rPr lang="es-ES" smtClean="0"/>
               <a:t>Quinto nivel</a:t>
             </a:r>
-            <a:endParaRPr kumimoji="0" lang="en-US"/>
-          </a:p>
-        </p:txBody>
-      </p:sp>
-      <p:sp>
-        <p:nvSpPr>
-          <p:cNvPr id="5" name="4 Marcador de fecha"/>
+            <a:endParaRPr lang="en-US" dirty="0"/>
+          </a:p>
+        </p:txBody>
+      </p:sp>
+      <p:sp>
+        <p:nvSpPr>
+          <p:cNvPr id="5" name="Date Placeholder 4"/>
           <p:cNvSpPr>
             <a:spLocks noGrp="1"/>
           </p:cNvSpPr>
@@ -1583,19 +1329,14 @@
             <p:ph type="dt" sz="half" idx="10"/>
           </p:nvPr>
         </p:nvSpPr>
-        <p:spPr>
-          <a:xfrm>
-            <a:off x="4791456" y="6480969"/>
-            <a:ext cx="2133600" cy="301752"/>
-          </a:xfrm>
-        </p:spPr>
+        <p:spPr/>
         <p:txBody>
           <a:bodyPr/>
           <a:lstStyle/>
           <a:p>
             <a:fld id="{5ADA9B6C-B1AC-4632-9855-2FE3D3A8B71F}" type="datetimeFigureOut">
               <a:rPr lang="es-ES" smtClean="0"/>
-              <a:t>03/05/2014</a:t>
+              <a:t>04/05/2014</a:t>
             </a:fld>
             <a:endParaRPr lang="es-ES"/>
           </a:p>
@@ -1603,7 +1344,7 @@
       </p:sp>
       <p:sp>
         <p:nvSpPr>
-          <p:cNvPr id="6" name="5 Marcador de pie de página"/>
+          <p:cNvPr id="6" name="Footer Placeholder 5"/>
           <p:cNvSpPr>
             <a:spLocks noGrp="1"/>
           </p:cNvSpPr>
@@ -1611,12 +1352,7 @@
             <p:ph type="ftr" sz="quarter" idx="11"/>
           </p:nvPr>
         </p:nvSpPr>
-        <p:spPr>
-          <a:xfrm>
-            <a:off x="457200" y="6480969"/>
-            <a:ext cx="4260056" cy="301752"/>
-          </a:xfrm>
-        </p:spPr>
+        <p:spPr/>
         <p:txBody>
           <a:bodyPr/>
           <a:lstStyle/>
@@ -1627,7 +1363,7 @@
       </p:sp>
       <p:sp>
         <p:nvSpPr>
-          <p:cNvPr id="7" name="6 Marcador de número de diapositiva"/>
+          <p:cNvPr id="7" name="Slide Number Placeholder 6"/>
           <p:cNvSpPr>
             <a:spLocks noGrp="1"/>
           </p:cNvSpPr>
@@ -1635,12 +1371,7 @@
             <p:ph type="sldNum" sz="quarter" idx="12"/>
           </p:nvPr>
         </p:nvSpPr>
-        <p:spPr>
-          <a:xfrm>
-            <a:off x="7589520" y="6480969"/>
-            <a:ext cx="502920" cy="301752"/>
-          </a:xfrm>
-        </p:spPr>
+        <p:spPr/>
         <p:txBody>
           <a:bodyPr/>
           <a:lstStyle/>
@@ -1662,13 +1393,8 @@
 </file>
 
 <file path=ppt/slideLayouts/slideLayout5.xml><?xml version="1.0" encoding="utf-8"?>
-<p:sldLayout xmlns:a="http://schemas.openxmlformats.org/drawingml/2006/main" xmlns:r="http://schemas.openxmlformats.org/officeDocument/2006/relationships" xmlns:p="http://schemas.openxmlformats.org/presentationml/2006/main" showMasterSp="0" type="twoTxTwoObj" preserve="1">
+<p:sldLayout xmlns:a="http://schemas.openxmlformats.org/drawingml/2006/main" xmlns:r="http://schemas.openxmlformats.org/officeDocument/2006/relationships" xmlns:p="http://schemas.openxmlformats.org/presentationml/2006/main" type="twoTxTwoObj" preserve="1">
   <p:cSld name="Comparación">
-    <p:bg>
-      <p:bgRef idx="1002">
-        <a:schemeClr val="bg2"/>
-      </p:bgRef>
-    </p:bg>
     <p:spTree>
       <p:nvGrpSpPr>
         <p:cNvPr id="1" name=""/>
@@ -1685,250 +1411,116 @@
       </p:grpSpPr>
       <p:sp>
         <p:nvSpPr>
-          <p:cNvPr id="2" name="1 Título"/>
+          <p:cNvPr id="2" name="Title 1"/>
           <p:cNvSpPr>
             <a:spLocks noGrp="1"/>
           </p:cNvSpPr>
           <p:nvPr>
             <p:ph type="title"/>
+          </p:nvPr>
+        </p:nvSpPr>
+        <p:spPr/>
+        <p:txBody>
+          <a:bodyPr/>
+          <a:lstStyle>
+            <a:lvl1pPr>
+              <a:defRPr/>
+            </a:lvl1pPr>
+          </a:lstStyle>
+          <a:p>
+            <a:r>
+              <a:rPr lang="es-ES" smtClean="0"/>
+              <a:t>Haga clic para modificar el estilo de título del patrón</a:t>
+            </a:r>
+            <a:endParaRPr lang="en-US"/>
+          </a:p>
+        </p:txBody>
+      </p:sp>
+      <p:sp>
+        <p:nvSpPr>
+          <p:cNvPr id="3" name="Text Placeholder 2"/>
+          <p:cNvSpPr>
+            <a:spLocks noGrp="1"/>
+          </p:cNvSpPr>
+          <p:nvPr>
+            <p:ph type="body" idx="1"/>
           </p:nvPr>
         </p:nvSpPr>
         <p:spPr>
           <a:xfrm>
-            <a:off x="248198" y="290732"/>
-            <a:ext cx="1066800" cy="6153912"/>
+            <a:off x="457200" y="1535113"/>
+            <a:ext cx="3657600" cy="639762"/>
           </a:xfrm>
         </p:spPr>
         <p:txBody>
-          <a:bodyPr vert="vert270" anchor="b"/>
+          <a:bodyPr anchor="b">
+            <a:noAutofit/>
+          </a:bodyPr>
           <a:lstStyle>
-            <a:lvl1pPr marL="0" algn="ctr">
-              <a:defRPr sz="3300" b="1">
-                <a:ln w="6350">
-                  <a:solidFill>
-                    <a:schemeClr val="tx1"/>
-                  </a:solidFill>
-                </a:ln>
+            <a:lvl1pPr marL="0" indent="0" algn="ctr">
+              <a:buNone/>
+              <a:defRPr sz="2000" b="1">
                 <a:solidFill>
-                  <a:schemeClr val="tx1"/>
+                  <a:schemeClr val="tx2"/>
                 </a:solidFill>
               </a:defRPr>
             </a:lvl1pPr>
+            <a:lvl2pPr marL="457200" indent="0">
+              <a:buNone/>
+              <a:defRPr sz="2000" b="1"/>
+            </a:lvl2pPr>
+            <a:lvl3pPr marL="914400" indent="0">
+              <a:buNone/>
+              <a:defRPr sz="1800" b="1"/>
+            </a:lvl3pPr>
+            <a:lvl4pPr marL="1371600" indent="0">
+              <a:buNone/>
+              <a:defRPr sz="1600" b="1"/>
+            </a:lvl4pPr>
+            <a:lvl5pPr marL="1828800" indent="0">
+              <a:buNone/>
+              <a:defRPr sz="1600" b="1"/>
+            </a:lvl5pPr>
+            <a:lvl6pPr marL="2286000" indent="0">
+              <a:buNone/>
+              <a:defRPr sz="1600" b="1"/>
+            </a:lvl6pPr>
+            <a:lvl7pPr marL="2743200" indent="0">
+              <a:buNone/>
+              <a:defRPr sz="1600" b="1"/>
+            </a:lvl7pPr>
+            <a:lvl8pPr marL="3200400" indent="0">
+              <a:buNone/>
+              <a:defRPr sz="1600" b="1"/>
+            </a:lvl8pPr>
+            <a:lvl9pPr marL="3657600" indent="0">
+              <a:buNone/>
+              <a:defRPr sz="1600" b="1"/>
+            </a:lvl9pPr>
           </a:lstStyle>
           <a:p>
-            <a:r>
-              <a:rPr kumimoji="0" lang="es-ES" smtClean="0"/>
-              <a:t>Haga clic para modificar el estilo de título del patrón</a:t>
-            </a:r>
-            <a:endParaRPr kumimoji="0" lang="en-US"/>
-          </a:p>
-        </p:txBody>
-      </p:sp>
-      <p:sp>
-        <p:nvSpPr>
-          <p:cNvPr id="3" name="2 Marcador de texto"/>
-          <p:cNvSpPr>
-            <a:spLocks noGrp="1"/>
-          </p:cNvSpPr>
-          <p:nvPr>
-            <p:ph type="body" idx="1"/>
+            <a:pPr lvl="0"/>
+            <a:r>
+              <a:rPr lang="es-ES" smtClean="0"/>
+              <a:t>Haga clic para modificar el estilo de texto del patrón</a:t>
+            </a:r>
+          </a:p>
+        </p:txBody>
+      </p:sp>
+      <p:sp>
+        <p:nvSpPr>
+          <p:cNvPr id="4" name="Content Placeholder 3"/>
+          <p:cNvSpPr>
+            <a:spLocks noGrp="1"/>
+          </p:cNvSpPr>
+          <p:nvPr>
+            <p:ph sz="half" idx="2"/>
           </p:nvPr>
         </p:nvSpPr>
         <p:spPr>
           <a:xfrm>
-            <a:off x="1365006" y="290732"/>
-            <a:ext cx="581024" cy="3017520"/>
-          </a:xfrm>
-          <a:solidFill>
-            <a:schemeClr val="bg1"/>
-          </a:solidFill>
-          <a:ln w="12700">
-            <a:noFill/>
-          </a:ln>
-        </p:spPr>
-        <p:txBody>
-          <a:bodyPr vert="vert270" anchor="ctr"/>
-          <a:lstStyle>
-            <a:lvl1pPr marL="0" indent="0" algn="ctr">
-              <a:buNone/>
-              <a:defRPr sz="1600" b="0">
-                <a:solidFill>
-                  <a:schemeClr val="tx1"/>
-                </a:solidFill>
-              </a:defRPr>
-            </a:lvl1pPr>
-            <a:lvl2pPr>
-              <a:buNone/>
-              <a:defRPr sz="2000" b="1"/>
-            </a:lvl2pPr>
-            <a:lvl3pPr>
-              <a:buNone/>
-              <a:defRPr sz="1800" b="1"/>
-            </a:lvl3pPr>
-            <a:lvl4pPr>
-              <a:buNone/>
-              <a:defRPr sz="1600" b="1"/>
-            </a:lvl4pPr>
-            <a:lvl5pPr>
-              <a:buNone/>
-              <a:defRPr sz="1600" b="1"/>
-            </a:lvl5pPr>
-          </a:lstStyle>
-          <a:p>
-            <a:pPr lvl="0" eaLnBrk="1" latinLnBrk="0" hangingPunct="1"/>
-            <a:r>
-              <a:rPr kumimoji="0" lang="es-ES" smtClean="0"/>
-              <a:t>Haga clic para modificar el estilo de texto del patrón</a:t>
-            </a:r>
-          </a:p>
-        </p:txBody>
-      </p:sp>
-      <p:sp>
-        <p:nvSpPr>
-          <p:cNvPr id="4" name="3 Marcador de texto"/>
-          <p:cNvSpPr>
-            <a:spLocks noGrp="1"/>
-          </p:cNvSpPr>
-          <p:nvPr>
-            <p:ph type="body" sz="half" idx="3"/>
-          </p:nvPr>
-        </p:nvSpPr>
-        <p:spPr>
-          <a:xfrm>
-            <a:off x="1365006" y="3427124"/>
-            <a:ext cx="581024" cy="3017520"/>
-          </a:xfrm>
-          <a:solidFill>
-            <a:schemeClr val="bg1"/>
-          </a:solidFill>
-          <a:ln w="12700">
-            <a:noFill/>
-          </a:ln>
-        </p:spPr>
-        <p:txBody>
-          <a:bodyPr vert="vert270" anchor="ctr"/>
-          <a:lstStyle>
-            <a:lvl1pPr marL="0" indent="0" algn="ctr">
-              <a:buNone/>
-              <a:defRPr sz="1600" b="0">
-                <a:solidFill>
-                  <a:schemeClr val="tx1"/>
-                </a:solidFill>
-              </a:defRPr>
-            </a:lvl1pPr>
-            <a:lvl2pPr>
-              <a:buNone/>
-              <a:defRPr sz="2000" b="1"/>
-            </a:lvl2pPr>
-            <a:lvl3pPr>
-              <a:buNone/>
-              <a:defRPr sz="1800" b="1"/>
-            </a:lvl3pPr>
-            <a:lvl4pPr>
-              <a:buNone/>
-              <a:defRPr sz="1600" b="1"/>
-            </a:lvl4pPr>
-            <a:lvl5pPr>
-              <a:buNone/>
-              <a:defRPr sz="1600" b="1"/>
-            </a:lvl5pPr>
-          </a:lstStyle>
-          <a:p>
-            <a:pPr lvl="0" eaLnBrk="1" latinLnBrk="0" hangingPunct="1"/>
-            <a:r>
-              <a:rPr kumimoji="0" lang="es-ES" smtClean="0"/>
-              <a:t>Haga clic para modificar el estilo de texto del patrón</a:t>
-            </a:r>
-          </a:p>
-        </p:txBody>
-      </p:sp>
-      <p:sp>
-        <p:nvSpPr>
-          <p:cNvPr id="5" name="4 Marcador de contenido"/>
-          <p:cNvSpPr>
-            <a:spLocks noGrp="1"/>
-          </p:cNvSpPr>
-          <p:nvPr>
-            <p:ph sz="quarter" idx="2"/>
-          </p:nvPr>
-        </p:nvSpPr>
-        <p:spPr>
-          <a:xfrm>
-            <a:off x="2022230" y="290732"/>
-            <a:ext cx="6858000" cy="3017520"/>
-          </a:xfrm>
-        </p:spPr>
-        <p:txBody>
-          <a:bodyPr/>
-          <a:lstStyle>
-            <a:lvl1pPr algn="l">
-              <a:defRPr sz="2400"/>
-            </a:lvl1pPr>
-            <a:lvl2pPr algn="l">
-              <a:defRPr sz="2000"/>
-            </a:lvl2pPr>
-            <a:lvl3pPr algn="l">
-              <a:defRPr sz="1800"/>
-            </a:lvl3pPr>
-            <a:lvl4pPr algn="l">
-              <a:defRPr sz="1600"/>
-            </a:lvl4pPr>
-            <a:lvl5pPr algn="l">
-              <a:defRPr sz="1600"/>
-            </a:lvl5pPr>
-          </a:lstStyle>
-          <a:p>
-            <a:pPr lvl="0" eaLnBrk="1" latinLnBrk="0" hangingPunct="1"/>
-            <a:r>
-              <a:rPr lang="es-ES" smtClean="0"/>
-              <a:t>Haga clic para modificar el estilo de texto del patrón</a:t>
-            </a:r>
-          </a:p>
-          <a:p>
-            <a:pPr lvl="1" eaLnBrk="1" latinLnBrk="0" hangingPunct="1"/>
-            <a:r>
-              <a:rPr lang="es-ES" smtClean="0"/>
-              <a:t>Segundo nivel</a:t>
-            </a:r>
-          </a:p>
-          <a:p>
-            <a:pPr lvl="2" eaLnBrk="1" latinLnBrk="0" hangingPunct="1"/>
-            <a:r>
-              <a:rPr lang="es-ES" smtClean="0"/>
-              <a:t>Tercer nivel</a:t>
-            </a:r>
-          </a:p>
-          <a:p>
-            <a:pPr lvl="3" eaLnBrk="1" latinLnBrk="0" hangingPunct="1"/>
-            <a:r>
-              <a:rPr lang="es-ES" smtClean="0"/>
-              <a:t>Cuarto nivel</a:t>
-            </a:r>
-          </a:p>
-          <a:p>
-            <a:pPr lvl="4" eaLnBrk="1" latinLnBrk="0" hangingPunct="1"/>
-            <a:r>
-              <a:rPr lang="es-ES" smtClean="0"/>
-              <a:t>Quinto nivel</a:t>
-            </a:r>
-            <a:endParaRPr kumimoji="0" lang="en-US"/>
-          </a:p>
-        </p:txBody>
-      </p:sp>
-      <p:sp>
-        <p:nvSpPr>
-          <p:cNvPr id="6" name="5 Marcador de contenido"/>
-          <p:cNvSpPr>
-            <a:spLocks noGrp="1"/>
-          </p:cNvSpPr>
-          <p:nvPr>
-            <p:ph sz="quarter" idx="4"/>
-          </p:nvPr>
-        </p:nvSpPr>
-        <p:spPr>
-          <a:xfrm>
-            <a:off x="2022230" y="3427124"/>
-            <a:ext cx="6858000" cy="3017520"/>
+            <a:off x="457200" y="2174875"/>
+            <a:ext cx="3657600" cy="3951288"/>
           </a:xfrm>
         </p:spPr>
         <p:txBody>
@@ -1949,68 +1541,231 @@
             <a:lvl5pPr>
               <a:defRPr sz="1600"/>
             </a:lvl5pPr>
+            <a:lvl6pPr>
+              <a:defRPr sz="1600"/>
+            </a:lvl6pPr>
+            <a:lvl7pPr>
+              <a:defRPr sz="1600"/>
+            </a:lvl7pPr>
+            <a:lvl8pPr>
+              <a:defRPr sz="1600"/>
+            </a:lvl8pPr>
+            <a:lvl9pPr>
+              <a:defRPr sz="1600"/>
+            </a:lvl9pPr>
           </a:lstStyle>
           <a:p>
-            <a:pPr lvl="0" eaLnBrk="1" latinLnBrk="0" hangingPunct="1"/>
+            <a:pPr lvl="0"/>
             <a:r>
               <a:rPr lang="es-ES" smtClean="0"/>
               <a:t>Haga clic para modificar el estilo de texto del patrón</a:t>
             </a:r>
           </a:p>
           <a:p>
-            <a:pPr lvl="1" eaLnBrk="1" latinLnBrk="0" hangingPunct="1"/>
+            <a:pPr lvl="1"/>
             <a:r>
               <a:rPr lang="es-ES" smtClean="0"/>
               <a:t>Segundo nivel</a:t>
             </a:r>
           </a:p>
           <a:p>
-            <a:pPr lvl="2" eaLnBrk="1" latinLnBrk="0" hangingPunct="1"/>
+            <a:pPr lvl="2"/>
             <a:r>
               <a:rPr lang="es-ES" smtClean="0"/>
               <a:t>Tercer nivel</a:t>
             </a:r>
           </a:p>
           <a:p>
-            <a:pPr lvl="3" eaLnBrk="1" latinLnBrk="0" hangingPunct="1"/>
+            <a:pPr lvl="3"/>
             <a:r>
               <a:rPr lang="es-ES" smtClean="0"/>
               <a:t>Cuarto nivel</a:t>
             </a:r>
           </a:p>
           <a:p>
-            <a:pPr lvl="4" eaLnBrk="1" latinLnBrk="0" hangingPunct="1"/>
+            <a:pPr lvl="4"/>
             <a:r>
               <a:rPr lang="es-ES" smtClean="0"/>
               <a:t>Quinto nivel</a:t>
             </a:r>
-            <a:endParaRPr kumimoji="0" lang="en-US"/>
-          </a:p>
-        </p:txBody>
-      </p:sp>
-      <p:sp>
-        <p:nvSpPr>
-          <p:cNvPr id="7" name="6 Marcador de fecha"/>
-          <p:cNvSpPr>
-            <a:spLocks noGrp="1"/>
-          </p:cNvSpPr>
-          <p:nvPr>
-            <p:ph type="dt" sz="half" idx="10"/>
+            <a:endParaRPr lang="en-US" dirty="0"/>
+          </a:p>
+        </p:txBody>
+      </p:sp>
+      <p:sp>
+        <p:nvSpPr>
+          <p:cNvPr id="5" name="Text Placeholder 4"/>
+          <p:cNvSpPr>
+            <a:spLocks noGrp="1"/>
+          </p:cNvSpPr>
+          <p:nvPr>
+            <p:ph type="body" sz="quarter" idx="3"/>
           </p:nvPr>
         </p:nvSpPr>
         <p:spPr>
           <a:xfrm>
-            <a:off x="4791456" y="6480969"/>
-            <a:ext cx="2130552" cy="301752"/>
+            <a:off x="4419600" y="1535113"/>
+            <a:ext cx="3657600" cy="639762"/>
           </a:xfrm>
         </p:spPr>
         <p:txBody>
+          <a:bodyPr anchor="b">
+            <a:noAutofit/>
+          </a:bodyPr>
+          <a:lstStyle>
+            <a:lvl1pPr marL="0" indent="0" algn="ctr">
+              <a:buNone/>
+              <a:defRPr sz="2000" b="1">
+                <a:solidFill>
+                  <a:schemeClr val="tx2"/>
+                </a:solidFill>
+              </a:defRPr>
+            </a:lvl1pPr>
+            <a:lvl2pPr marL="457200" indent="0">
+              <a:buNone/>
+              <a:defRPr sz="2000" b="1"/>
+            </a:lvl2pPr>
+            <a:lvl3pPr marL="914400" indent="0">
+              <a:buNone/>
+              <a:defRPr sz="1800" b="1"/>
+            </a:lvl3pPr>
+            <a:lvl4pPr marL="1371600" indent="0">
+              <a:buNone/>
+              <a:defRPr sz="1600" b="1"/>
+            </a:lvl4pPr>
+            <a:lvl5pPr marL="1828800" indent="0">
+              <a:buNone/>
+              <a:defRPr sz="1600" b="1"/>
+            </a:lvl5pPr>
+            <a:lvl6pPr marL="2286000" indent="0">
+              <a:buNone/>
+              <a:defRPr sz="1600" b="1"/>
+            </a:lvl6pPr>
+            <a:lvl7pPr marL="2743200" indent="0">
+              <a:buNone/>
+              <a:defRPr sz="1600" b="1"/>
+            </a:lvl7pPr>
+            <a:lvl8pPr marL="3200400" indent="0">
+              <a:buNone/>
+              <a:defRPr sz="1600" b="1"/>
+            </a:lvl8pPr>
+            <a:lvl9pPr marL="3657600" indent="0">
+              <a:buNone/>
+              <a:defRPr sz="1600" b="1"/>
+            </a:lvl9pPr>
+          </a:lstStyle>
+          <a:p>
+            <a:pPr lvl="0"/>
+            <a:r>
+              <a:rPr lang="es-ES" smtClean="0"/>
+              <a:t>Haga clic para modificar el estilo de texto del patrón</a:t>
+            </a:r>
+          </a:p>
+        </p:txBody>
+      </p:sp>
+      <p:sp>
+        <p:nvSpPr>
+          <p:cNvPr id="6" name="Content Placeholder 5"/>
+          <p:cNvSpPr>
+            <a:spLocks noGrp="1"/>
+          </p:cNvSpPr>
+          <p:nvPr>
+            <p:ph sz="quarter" idx="4"/>
+          </p:nvPr>
+        </p:nvSpPr>
+        <p:spPr>
+          <a:xfrm>
+            <a:off x="4419600" y="2174875"/>
+            <a:ext cx="3657600" cy="3951288"/>
+          </a:xfrm>
+        </p:spPr>
+        <p:txBody>
+          <a:bodyPr/>
+          <a:lstStyle>
+            <a:lvl1pPr>
+              <a:defRPr sz="2400"/>
+            </a:lvl1pPr>
+            <a:lvl2pPr>
+              <a:defRPr sz="2000"/>
+            </a:lvl2pPr>
+            <a:lvl3pPr>
+              <a:defRPr sz="1800"/>
+            </a:lvl3pPr>
+            <a:lvl4pPr>
+              <a:defRPr sz="1600"/>
+            </a:lvl4pPr>
+            <a:lvl5pPr>
+              <a:defRPr sz="1600"/>
+            </a:lvl5pPr>
+            <a:lvl6pPr>
+              <a:defRPr sz="1600"/>
+            </a:lvl6pPr>
+            <a:lvl7pPr>
+              <a:defRPr sz="1600"/>
+            </a:lvl7pPr>
+            <a:lvl8pPr>
+              <a:defRPr sz="1600"/>
+            </a:lvl8pPr>
+            <a:lvl9pPr>
+              <a:defRPr sz="1600"/>
+            </a:lvl9pPr>
+          </a:lstStyle>
+          <a:p>
+            <a:pPr lvl="0"/>
+            <a:r>
+              <a:rPr lang="es-ES" smtClean="0"/>
+              <a:t>Haga clic para modificar el estilo de texto del patrón</a:t>
+            </a:r>
+          </a:p>
+          <a:p>
+            <a:pPr lvl="1"/>
+            <a:r>
+              <a:rPr lang="es-ES" smtClean="0"/>
+              <a:t>Segundo nivel</a:t>
+            </a:r>
+          </a:p>
+          <a:p>
+            <a:pPr lvl="2"/>
+            <a:r>
+              <a:rPr lang="es-ES" smtClean="0"/>
+              <a:t>Tercer nivel</a:t>
+            </a:r>
+          </a:p>
+          <a:p>
+            <a:pPr lvl="3"/>
+            <a:r>
+              <a:rPr lang="es-ES" smtClean="0"/>
+              <a:t>Cuarto nivel</a:t>
+            </a:r>
+          </a:p>
+          <a:p>
+            <a:pPr lvl="4"/>
+            <a:r>
+              <a:rPr lang="es-ES" smtClean="0"/>
+              <a:t>Quinto nivel</a:t>
+            </a:r>
+            <a:endParaRPr lang="en-US"/>
+          </a:p>
+        </p:txBody>
+      </p:sp>
+      <p:sp>
+        <p:nvSpPr>
+          <p:cNvPr id="7" name="Date Placeholder 6"/>
+          <p:cNvSpPr>
+            <a:spLocks noGrp="1"/>
+          </p:cNvSpPr>
+          <p:nvPr>
+            <p:ph type="dt" sz="half" idx="10"/>
+          </p:nvPr>
+        </p:nvSpPr>
+        <p:spPr/>
+        <p:txBody>
           <a:bodyPr/>
           <a:lstStyle/>
           <a:p>
             <a:fld id="{5ADA9B6C-B1AC-4632-9855-2FE3D3A8B71F}" type="datetimeFigureOut">
               <a:rPr lang="es-ES" smtClean="0"/>
-              <a:t>03/05/2014</a:t>
+              <a:t>04/05/2014</a:t>
             </a:fld>
             <a:endParaRPr lang="es-ES"/>
           </a:p>
@@ -2018,7 +1773,7 @@
       </p:sp>
       <p:sp>
         <p:nvSpPr>
-          <p:cNvPr id="8" name="7 Marcador de pie de página"/>
+          <p:cNvPr id="8" name="Footer Placeholder 7"/>
           <p:cNvSpPr>
             <a:spLocks noGrp="1"/>
           </p:cNvSpPr>
@@ -2026,12 +1781,7 @@
             <p:ph type="ftr" sz="quarter" idx="11"/>
           </p:nvPr>
         </p:nvSpPr>
-        <p:spPr>
-          <a:xfrm>
-            <a:off x="457200" y="6480969"/>
-            <a:ext cx="4261104" cy="301752"/>
-          </a:xfrm>
-        </p:spPr>
+        <p:spPr/>
         <p:txBody>
           <a:bodyPr/>
           <a:lstStyle/>
@@ -2042,7 +1792,7 @@
       </p:sp>
       <p:sp>
         <p:nvSpPr>
-          <p:cNvPr id="9" name="8 Marcador de número de diapositiva"/>
+          <p:cNvPr id="9" name="Slide Number Placeholder 8"/>
           <p:cNvSpPr>
             <a:spLocks noGrp="1"/>
           </p:cNvSpPr>
@@ -2050,19 +1800,10 @@
             <p:ph type="sldNum" sz="quarter" idx="12"/>
           </p:nvPr>
         </p:nvSpPr>
-        <p:spPr>
-          <a:xfrm>
-            <a:off x="7589520" y="6483096"/>
-            <a:ext cx="502920" cy="301752"/>
-          </a:xfrm>
-        </p:spPr>
-        <p:txBody>
-          <a:bodyPr/>
-          <a:lstStyle>
-            <a:lvl1pPr algn="ctr">
-              <a:defRPr/>
-            </a:lvl1pPr>
-          </a:lstStyle>
+        <p:spPr/>
+        <p:txBody>
+          <a:bodyPr/>
+          <a:lstStyle/>
           <a:p>
             <a:fld id="{A2596778-919D-4B84-A54E-F6398A820F99}" type="slidenum">
               <a:rPr lang="es-ES" smtClean="0"/>
@@ -2075,7 +1816,7 @@
     </p:spTree>
   </p:cSld>
   <p:clrMapOvr>
-    <a:overrideClrMapping bg1="dk1" tx1="lt1" bg2="dk2" tx2="lt2" accent1="accent1" accent2="accent2" accent3="accent3" accent4="accent4" accent5="accent5" accent6="accent6" hlink="hlink" folHlink="folHlink"/>
+    <a:masterClrMapping/>
   </p:clrMapOvr>
 </p:sldLayout>
 </file>
@@ -2099,7 +1840,7 @@
       </p:grpSpPr>
       <p:sp>
         <p:nvSpPr>
-          <p:cNvPr id="2" name="1 Título"/>
+          <p:cNvPr id="2" name="Title 1"/>
           <p:cNvSpPr>
             <a:spLocks noGrp="1"/>
           </p:cNvSpPr>
@@ -2110,23 +1851,19 @@
         <p:spPr/>
         <p:txBody>
           <a:bodyPr/>
-          <a:lstStyle>
-            <a:lvl1pPr>
-              <a:defRPr b="0"/>
-            </a:lvl1pPr>
-          </a:lstStyle>
-          <a:p>
-            <a:r>
-              <a:rPr kumimoji="0" lang="es-ES" smtClean="0"/>
+          <a:lstStyle/>
+          <a:p>
+            <a:r>
+              <a:rPr lang="es-ES" smtClean="0"/>
               <a:t>Haga clic para modificar el estilo de título del patrón</a:t>
             </a:r>
-            <a:endParaRPr kumimoji="0" lang="en-US"/>
-          </a:p>
-        </p:txBody>
-      </p:sp>
-      <p:sp>
-        <p:nvSpPr>
-          <p:cNvPr id="3" name="2 Marcador de fecha"/>
+            <a:endParaRPr lang="en-US"/>
+          </a:p>
+        </p:txBody>
+      </p:sp>
+      <p:sp>
+        <p:nvSpPr>
+          <p:cNvPr id="3" name="Date Placeholder 2"/>
           <p:cNvSpPr>
             <a:spLocks noGrp="1"/>
           </p:cNvSpPr>
@@ -2141,7 +1878,7 @@
           <a:p>
             <a:fld id="{5ADA9B6C-B1AC-4632-9855-2FE3D3A8B71F}" type="datetimeFigureOut">
               <a:rPr lang="es-ES" smtClean="0"/>
-              <a:t>03/05/2014</a:t>
+              <a:t>04/05/2014</a:t>
             </a:fld>
             <a:endParaRPr lang="es-ES"/>
           </a:p>
@@ -2149,7 +1886,7 @@
       </p:sp>
       <p:sp>
         <p:nvSpPr>
-          <p:cNvPr id="4" name="3 Marcador de pie de página"/>
+          <p:cNvPr id="4" name="Footer Placeholder 3"/>
           <p:cNvSpPr>
             <a:spLocks noGrp="1"/>
           </p:cNvSpPr>
@@ -2168,7 +1905,7 @@
       </p:sp>
       <p:sp>
         <p:nvSpPr>
-          <p:cNvPr id="5" name="4 Marcador de número de diapositiva"/>
+          <p:cNvPr id="5" name="Slide Number Placeholder 4"/>
           <p:cNvSpPr>
             <a:spLocks noGrp="1"/>
           </p:cNvSpPr>
@@ -2216,7 +1953,7 @@
       </p:grpSpPr>
       <p:sp>
         <p:nvSpPr>
-          <p:cNvPr id="2" name="1 Marcador de fecha"/>
+          <p:cNvPr id="2" name="Date Placeholder 1"/>
           <p:cNvSpPr>
             <a:spLocks noGrp="1"/>
           </p:cNvSpPr>
@@ -2224,19 +1961,14 @@
             <p:ph type="dt" sz="half" idx="10"/>
           </p:nvPr>
         </p:nvSpPr>
-        <p:spPr>
-          <a:xfrm>
-            <a:off x="4791456" y="6480969"/>
-            <a:ext cx="2133600" cy="301752"/>
-          </a:xfrm>
-        </p:spPr>
+        <p:spPr/>
         <p:txBody>
           <a:bodyPr/>
           <a:lstStyle/>
           <a:p>
             <a:fld id="{5ADA9B6C-B1AC-4632-9855-2FE3D3A8B71F}" type="datetimeFigureOut">
               <a:rPr lang="es-ES" smtClean="0"/>
-              <a:t>03/05/2014</a:t>
+              <a:t>04/05/2014</a:t>
             </a:fld>
             <a:endParaRPr lang="es-ES"/>
           </a:p>
@@ -2244,7 +1976,7 @@
       </p:sp>
       <p:sp>
         <p:nvSpPr>
-          <p:cNvPr id="3" name="2 Marcador de pie de página"/>
+          <p:cNvPr id="3" name="Footer Placeholder 2"/>
           <p:cNvSpPr>
             <a:spLocks noGrp="1"/>
           </p:cNvSpPr>
@@ -2252,12 +1984,7 @@
             <p:ph type="ftr" sz="quarter" idx="11"/>
           </p:nvPr>
         </p:nvSpPr>
-        <p:spPr>
-          <a:xfrm>
-            <a:off x="457200" y="6481890"/>
-            <a:ext cx="4260056" cy="300831"/>
-          </a:xfrm>
-        </p:spPr>
+        <p:spPr/>
         <p:txBody>
           <a:bodyPr/>
           <a:lstStyle/>
@@ -2268,7 +1995,7 @@
       </p:sp>
       <p:sp>
         <p:nvSpPr>
-          <p:cNvPr id="4" name="3 Marcador de número de diapositiva"/>
+          <p:cNvPr id="4" name="Slide Number Placeholder 3"/>
           <p:cNvSpPr>
             <a:spLocks noGrp="1"/>
           </p:cNvSpPr>
@@ -2276,12 +2003,7 @@
             <p:ph type="sldNum" sz="quarter" idx="12"/>
           </p:nvPr>
         </p:nvSpPr>
-        <p:spPr>
-          <a:xfrm>
-            <a:off x="7589520" y="6480969"/>
-            <a:ext cx="502920" cy="301752"/>
-          </a:xfrm>
-        </p:spPr>
+        <p:spPr/>
         <p:txBody>
           <a:bodyPr/>
           <a:lstStyle/>
@@ -2303,13 +2025,8 @@
 </file>
 
 <file path=ppt/slideLayouts/slideLayout8.xml><?xml version="1.0" encoding="utf-8"?>
-<p:sldLayout xmlns:a="http://schemas.openxmlformats.org/drawingml/2006/main" xmlns:r="http://schemas.openxmlformats.org/officeDocument/2006/relationships" xmlns:p="http://schemas.openxmlformats.org/presentationml/2006/main" showMasterSp="0" type="objTx" preserve="1">
+<p:sldLayout xmlns:a="http://schemas.openxmlformats.org/drawingml/2006/main" xmlns:r="http://schemas.openxmlformats.org/officeDocument/2006/relationships" xmlns:p="http://schemas.openxmlformats.org/presentationml/2006/main" type="objTx" preserve="1">
   <p:cSld name="Contenido con título">
-    <p:bg>
-      <p:bgRef idx="1002">
-        <a:schemeClr val="bg2"/>
-      </p:bgRef>
-    </p:bg>
     <p:spTree>
       <p:nvGrpSpPr>
         <p:cNvPr id="1" name=""/>
@@ -2326,7 +2043,7 @@
       </p:grpSpPr>
       <p:sp>
         <p:nvSpPr>
-          <p:cNvPr id="2" name="1 Título"/>
+          <p:cNvPr id="2" name="Title 1"/>
           <p:cNvSpPr>
             <a:spLocks noGrp="1"/>
           </p:cNvSpPr>
@@ -2336,77 +2053,88 @@
         </p:nvSpPr>
         <p:spPr>
           <a:xfrm>
-            <a:off x="219456" y="367664"/>
-            <a:ext cx="914400" cy="5943600"/>
+            <a:off x="304801" y="5495544"/>
+            <a:ext cx="7772400" cy="594360"/>
           </a:xfrm>
         </p:spPr>
         <p:txBody>
-          <a:bodyPr vert="vert270" anchor="b"/>
+          <a:bodyPr anchor="b"/>
           <a:lstStyle>
-            <a:lvl1pPr marL="0" marR="18288" algn="r">
-              <a:spcBef>
-                <a:spcPts val="0"/>
-              </a:spcBef>
-              <a:buNone/>
-              <a:defRPr sz="2900" b="0" cap="all" baseline="0"/>
+            <a:lvl1pPr algn="ctr">
+              <a:defRPr sz="2200" b="1"/>
             </a:lvl1pPr>
           </a:lstStyle>
           <a:p>
             <a:r>
-              <a:rPr kumimoji="0" lang="es-ES" smtClean="0"/>
+              <a:rPr lang="es-ES" smtClean="0"/>
               <a:t>Haga clic para modificar el estilo de título del patrón</a:t>
             </a:r>
-            <a:endParaRPr kumimoji="0" lang="en-US"/>
-          </a:p>
-        </p:txBody>
-      </p:sp>
-      <p:sp>
-        <p:nvSpPr>
-          <p:cNvPr id="3" name="2 Marcador de texto"/>
-          <p:cNvSpPr>
-            <a:spLocks noGrp="1"/>
-          </p:cNvSpPr>
-          <p:nvPr>
-            <p:ph type="body" idx="2"/>
+            <a:endParaRPr lang="en-US" dirty="0"/>
+          </a:p>
+        </p:txBody>
+      </p:sp>
+      <p:sp>
+        <p:nvSpPr>
+          <p:cNvPr id="4" name="Text Placeholder 3"/>
+          <p:cNvSpPr>
+            <a:spLocks noGrp="1"/>
+          </p:cNvSpPr>
+          <p:nvPr>
+            <p:ph type="body" sz="half" idx="2"/>
           </p:nvPr>
         </p:nvSpPr>
         <p:spPr>
           <a:xfrm>
-            <a:off x="1135856" y="367664"/>
-            <a:ext cx="2438400" cy="5943600"/>
+            <a:off x="304799" y="6096000"/>
+            <a:ext cx="7772401" cy="609600"/>
           </a:xfrm>
         </p:spPr>
         <p:txBody>
-          <a:bodyPr anchor="t"/>
+          <a:bodyPr>
+            <a:normAutofit/>
+          </a:bodyPr>
           <a:lstStyle>
-            <a:lvl1pPr marL="0" indent="0">
-              <a:spcBef>
-                <a:spcPts val="0"/>
-              </a:spcBef>
-              <a:buNone/>
-              <a:defRPr sz="1400"/>
+            <a:lvl1pPr marL="0" indent="0" algn="ctr">
+              <a:buNone/>
+              <a:defRPr sz="1600"/>
             </a:lvl1pPr>
-            <a:lvl2pPr>
+            <a:lvl2pPr marL="457200" indent="0">
               <a:buNone/>
               <a:defRPr sz="1200"/>
             </a:lvl2pPr>
-            <a:lvl3pPr>
+            <a:lvl3pPr marL="914400" indent="0">
               <a:buNone/>
               <a:defRPr sz="1000"/>
             </a:lvl3pPr>
-            <a:lvl4pPr>
+            <a:lvl4pPr marL="1371600" indent="0">
               <a:buNone/>
               <a:defRPr sz="900"/>
             </a:lvl4pPr>
-            <a:lvl5pPr>
+            <a:lvl5pPr marL="1828800" indent="0">
               <a:buNone/>
               <a:defRPr sz="900"/>
             </a:lvl5pPr>
+            <a:lvl6pPr marL="2286000" indent="0">
+              <a:buNone/>
+              <a:defRPr sz="900"/>
+            </a:lvl6pPr>
+            <a:lvl7pPr marL="2743200" indent="0">
+              <a:buNone/>
+              <a:defRPr sz="900"/>
+            </a:lvl7pPr>
+            <a:lvl8pPr marL="3200400" indent="0">
+              <a:buNone/>
+              <a:defRPr sz="900"/>
+            </a:lvl8pPr>
+            <a:lvl9pPr marL="3657600" indent="0">
+              <a:buNone/>
+              <a:defRPr sz="900"/>
+            </a:lvl9pPr>
           </a:lstStyle>
           <a:p>
-            <a:pPr lvl="0" eaLnBrk="1" latinLnBrk="0" hangingPunct="1"/>
-            <a:r>
-              <a:rPr kumimoji="0" lang="es-ES" smtClean="0"/>
+            <a:pPr lvl="0"/>
+            <a:r>
+              <a:rPr lang="es-ES" smtClean="0"/>
               <a:t>Haga clic para modificar el estilo de texto del patrón</a:t>
             </a:r>
           </a:p>
@@ -2414,83 +2142,7 @@
       </p:sp>
       <p:sp>
         <p:nvSpPr>
-          <p:cNvPr id="4" name="3 Marcador de contenido"/>
-          <p:cNvSpPr>
-            <a:spLocks noGrp="1"/>
-          </p:cNvSpPr>
-          <p:nvPr>
-            <p:ph sz="half" idx="1"/>
-          </p:nvPr>
-        </p:nvSpPr>
-        <p:spPr>
-          <a:xfrm>
-            <a:off x="3651250" y="320040"/>
-            <a:ext cx="5276088" cy="5989320"/>
-          </a:xfrm>
-        </p:spPr>
-        <p:txBody>
-          <a:bodyPr/>
-          <a:lstStyle>
-            <a:lvl1pPr>
-              <a:spcBef>
-                <a:spcPts val="0"/>
-              </a:spcBef>
-              <a:defRPr sz="3000"/>
-            </a:lvl1pPr>
-            <a:lvl2pPr>
-              <a:defRPr sz="2600"/>
-            </a:lvl2pPr>
-            <a:lvl3pPr>
-              <a:defRPr sz="2400"/>
-            </a:lvl3pPr>
-            <a:lvl4pPr>
-              <a:defRPr sz="2000"/>
-            </a:lvl4pPr>
-            <a:lvl5pPr>
-              <a:defRPr sz="2000"/>
-            </a:lvl5pPr>
-          </a:lstStyle>
-          <a:p>
-            <a:pPr lvl="0" eaLnBrk="1" latinLnBrk="0" hangingPunct="1"/>
-            <a:r>
-              <a:rPr lang="es-ES" smtClean="0"/>
-              <a:t>Haga clic para modificar el estilo de texto del patrón</a:t>
-            </a:r>
-          </a:p>
-          <a:p>
-            <a:pPr lvl="1" eaLnBrk="1" latinLnBrk="0" hangingPunct="1"/>
-            <a:r>
-              <a:rPr lang="es-ES" smtClean="0"/>
-              <a:t>Segundo nivel</a:t>
-            </a:r>
-          </a:p>
-          <a:p>
-            <a:pPr lvl="2" eaLnBrk="1" latinLnBrk="0" hangingPunct="1"/>
-            <a:r>
-              <a:rPr lang="es-ES" smtClean="0"/>
-              <a:t>Tercer nivel</a:t>
-            </a:r>
-          </a:p>
-          <a:p>
-            <a:pPr lvl="3" eaLnBrk="1" latinLnBrk="0" hangingPunct="1"/>
-            <a:r>
-              <a:rPr lang="es-ES" smtClean="0"/>
-              <a:t>Cuarto nivel</a:t>
-            </a:r>
-          </a:p>
-          <a:p>
-            <a:pPr lvl="4" eaLnBrk="1" latinLnBrk="0" hangingPunct="1"/>
-            <a:r>
-              <a:rPr lang="es-ES" smtClean="0"/>
-              <a:t>Quinto nivel</a:t>
-            </a:r>
-            <a:endParaRPr kumimoji="0" lang="en-US"/>
-          </a:p>
-        </p:txBody>
-      </p:sp>
-      <p:sp>
-        <p:nvSpPr>
-          <p:cNvPr id="5" name="4 Marcador de fecha"/>
+          <p:cNvPr id="5" name="Date Placeholder 4"/>
           <p:cNvSpPr>
             <a:spLocks noGrp="1"/>
           </p:cNvSpPr>
@@ -2498,23 +2150,14 @@
             <p:ph type="dt" sz="half" idx="10"/>
           </p:nvPr>
         </p:nvSpPr>
-        <p:spPr>
-          <a:xfrm>
-            <a:off x="6278976" y="6556248"/>
-            <a:ext cx="2133600" cy="301752"/>
-          </a:xfrm>
-        </p:spPr>
-        <p:txBody>
-          <a:bodyPr/>
-          <a:lstStyle>
-            <a:lvl1pPr>
-              <a:defRPr sz="900"/>
-            </a:lvl1pPr>
-          </a:lstStyle>
+        <p:spPr/>
+        <p:txBody>
+          <a:bodyPr/>
+          <a:lstStyle/>
           <a:p>
             <a:fld id="{5ADA9B6C-B1AC-4632-9855-2FE3D3A8B71F}" type="datetimeFigureOut">
               <a:rPr lang="es-ES" smtClean="0"/>
-              <a:t>03/05/2014</a:t>
+              <a:t>04/05/2014</a:t>
             </a:fld>
             <a:endParaRPr lang="es-ES"/>
           </a:p>
@@ -2522,7 +2165,7 @@
       </p:sp>
       <p:sp>
         <p:nvSpPr>
-          <p:cNvPr id="6" name="5 Marcador de pie de página"/>
+          <p:cNvPr id="6" name="Footer Placeholder 5"/>
           <p:cNvSpPr>
             <a:spLocks noGrp="1"/>
           </p:cNvSpPr>
@@ -2530,19 +2173,10 @@
             <p:ph type="ftr" sz="quarter" idx="11"/>
           </p:nvPr>
         </p:nvSpPr>
-        <p:spPr>
-          <a:xfrm>
-            <a:off x="1135856" y="6556248"/>
-            <a:ext cx="5143120" cy="301752"/>
-          </a:xfrm>
-        </p:spPr>
-        <p:txBody>
-          <a:bodyPr/>
-          <a:lstStyle>
-            <a:lvl1pPr>
-              <a:defRPr sz="900"/>
-            </a:lvl1pPr>
-          </a:lstStyle>
+        <p:spPr/>
+        <p:txBody>
+          <a:bodyPr/>
+          <a:lstStyle/>
           <a:p>
             <a:endParaRPr lang="es-ES"/>
           </a:p>
@@ -2550,7 +2184,7 @@
       </p:sp>
       <p:sp>
         <p:nvSpPr>
-          <p:cNvPr id="7" name="6 Marcador de número de diapositiva"/>
+          <p:cNvPr id="7" name="Slide Number Placeholder 6"/>
           <p:cNvSpPr>
             <a:spLocks noGrp="1"/>
           </p:cNvSpPr>
@@ -2558,19 +2192,10 @@
             <p:ph type="sldNum" sz="quarter" idx="12"/>
           </p:nvPr>
         </p:nvSpPr>
-        <p:spPr>
-          <a:xfrm>
-            <a:off x="8410576" y="6556248"/>
-            <a:ext cx="502920" cy="301752"/>
-          </a:xfrm>
-        </p:spPr>
-        <p:txBody>
-          <a:bodyPr/>
-          <a:lstStyle>
-            <a:lvl1pPr>
-              <a:defRPr sz="900"/>
-            </a:lvl1pPr>
-          </a:lstStyle>
+        <p:spPr/>
+        <p:txBody>
+          <a:bodyPr/>
+          <a:lstStyle/>
           <a:p>
             <a:fld id="{A2596778-919D-4B84-A54E-F6398A820F99}" type="slidenum">
               <a:rPr lang="es-ES" smtClean="0"/>
@@ -2580,17 +2205,335 @@
           </a:p>
         </p:txBody>
       </p:sp>
+      <p:sp>
+        <p:nvSpPr>
+          <p:cNvPr id="9" name="Content Placeholder 8"/>
+          <p:cNvSpPr>
+            <a:spLocks noGrp="1"/>
+          </p:cNvSpPr>
+          <p:nvPr>
+            <p:ph sz="quarter" idx="13"/>
+          </p:nvPr>
+        </p:nvSpPr>
+        <p:spPr>
+          <a:xfrm>
+            <a:off x="304800" y="381000"/>
+            <a:ext cx="7772400" cy="4942840"/>
+          </a:xfrm>
+        </p:spPr>
+        <p:txBody>
+          <a:bodyPr/>
+          <a:lstStyle/>
+          <a:p>
+            <a:pPr lvl="0"/>
+            <a:r>
+              <a:rPr lang="es-ES" smtClean="0"/>
+              <a:t>Haga clic para modificar el estilo de texto del patrón</a:t>
+            </a:r>
+          </a:p>
+          <a:p>
+            <a:pPr lvl="1"/>
+            <a:r>
+              <a:rPr lang="es-ES" smtClean="0"/>
+              <a:t>Segundo nivel</a:t>
+            </a:r>
+          </a:p>
+          <a:p>
+            <a:pPr lvl="2"/>
+            <a:r>
+              <a:rPr lang="es-ES" smtClean="0"/>
+              <a:t>Tercer nivel</a:t>
+            </a:r>
+          </a:p>
+          <a:p>
+            <a:pPr lvl="3"/>
+            <a:r>
+              <a:rPr lang="es-ES" smtClean="0"/>
+              <a:t>Cuarto nivel</a:t>
+            </a:r>
+          </a:p>
+          <a:p>
+            <a:pPr lvl="4"/>
+            <a:r>
+              <a:rPr lang="es-ES" smtClean="0"/>
+              <a:t>Quinto nivel</a:t>
+            </a:r>
+            <a:endParaRPr lang="en-US"/>
+          </a:p>
+        </p:txBody>
+      </p:sp>
     </p:spTree>
   </p:cSld>
   <p:clrMapOvr>
-    <a:overrideClrMapping bg1="dk1" tx1="lt1" bg2="dk2" tx2="lt2" accent1="accent1" accent2="accent2" accent3="accent3" accent4="accent4" accent5="accent5" accent6="accent6" hlink="hlink" folHlink="folHlink"/>
+    <a:masterClrMapping/>
   </p:clrMapOvr>
 </p:sldLayout>
 </file>
 
 <file path=ppt/slideLayouts/slideLayout9.xml><?xml version="1.0" encoding="utf-8"?>
-<p:sldLayout xmlns:a="http://schemas.openxmlformats.org/drawingml/2006/main" xmlns:r="http://schemas.openxmlformats.org/officeDocument/2006/relationships" xmlns:p="http://schemas.openxmlformats.org/presentationml/2006/main" showMasterSp="0" type="picTx" preserve="1">
+<p:sldLayout xmlns:a="http://schemas.openxmlformats.org/drawingml/2006/main" xmlns:r="http://schemas.openxmlformats.org/officeDocument/2006/relationships" xmlns:p="http://schemas.openxmlformats.org/presentationml/2006/main" type="picTx" preserve="1">
   <p:cSld name="Imagen con título">
+    <p:spTree>
+      <p:nvGrpSpPr>
+        <p:cNvPr id="1" name=""/>
+        <p:cNvGrpSpPr/>
+        <p:nvPr/>
+      </p:nvGrpSpPr>
+      <p:grpSpPr>
+        <a:xfrm>
+          <a:off x="0" y="0"/>
+          <a:ext cx="0" cy="0"/>
+          <a:chOff x="0" y="0"/>
+          <a:chExt cx="0" cy="0"/>
+        </a:xfrm>
+      </p:grpSpPr>
+      <p:sp>
+        <p:nvSpPr>
+          <p:cNvPr id="2" name="Title 1"/>
+          <p:cNvSpPr>
+            <a:spLocks noGrp="1"/>
+          </p:cNvSpPr>
+          <p:nvPr>
+            <p:ph type="title"/>
+          </p:nvPr>
+        </p:nvSpPr>
+        <p:spPr>
+          <a:xfrm>
+            <a:off x="301752" y="5495278"/>
+            <a:ext cx="7772400" cy="594626"/>
+          </a:xfrm>
+        </p:spPr>
+        <p:txBody>
+          <a:bodyPr anchor="b"/>
+          <a:lstStyle>
+            <a:lvl1pPr algn="ctr">
+              <a:defRPr sz="2200" b="1">
+                <a:ln>
+                  <a:noFill/>
+                </a:ln>
+                <a:solidFill>
+                  <a:schemeClr val="tx2"/>
+                </a:solidFill>
+              </a:defRPr>
+            </a:lvl1pPr>
+          </a:lstStyle>
+          <a:p>
+            <a:r>
+              <a:rPr lang="es-ES" smtClean="0"/>
+              <a:t>Haga clic para modificar el estilo de título del patrón</a:t>
+            </a:r>
+            <a:endParaRPr lang="en-US" dirty="0"/>
+          </a:p>
+        </p:txBody>
+      </p:sp>
+      <p:sp>
+        <p:nvSpPr>
+          <p:cNvPr id="3" name="Picture Placeholder 2"/>
+          <p:cNvSpPr>
+            <a:spLocks noGrp="1"/>
+          </p:cNvSpPr>
+          <p:nvPr>
+            <p:ph type="pic" idx="1"/>
+          </p:nvPr>
+        </p:nvSpPr>
+        <p:spPr>
+          <a:xfrm>
+            <a:off x="0" y="0"/>
+            <a:ext cx="8458200" cy="5486400"/>
+          </a:xfrm>
+        </p:spPr>
+        <p:txBody>
+          <a:bodyPr/>
+          <a:lstStyle>
+            <a:lvl1pPr marL="0" indent="0">
+              <a:buNone/>
+              <a:defRPr sz="3200"/>
+            </a:lvl1pPr>
+            <a:lvl2pPr marL="457200" indent="0">
+              <a:buNone/>
+              <a:defRPr sz="2800"/>
+            </a:lvl2pPr>
+            <a:lvl3pPr marL="914400" indent="0">
+              <a:buNone/>
+              <a:defRPr sz="2400"/>
+            </a:lvl3pPr>
+            <a:lvl4pPr marL="1371600" indent="0">
+              <a:buNone/>
+              <a:defRPr sz="2000"/>
+            </a:lvl4pPr>
+            <a:lvl5pPr marL="1828800" indent="0">
+              <a:buNone/>
+              <a:defRPr sz="2000"/>
+            </a:lvl5pPr>
+            <a:lvl6pPr marL="2286000" indent="0">
+              <a:buNone/>
+              <a:defRPr sz="2000"/>
+            </a:lvl6pPr>
+            <a:lvl7pPr marL="2743200" indent="0">
+              <a:buNone/>
+              <a:defRPr sz="2000"/>
+            </a:lvl7pPr>
+            <a:lvl8pPr marL="3200400" indent="0">
+              <a:buNone/>
+              <a:defRPr sz="2000"/>
+            </a:lvl8pPr>
+            <a:lvl9pPr marL="3657600" indent="0">
+              <a:buNone/>
+              <a:defRPr sz="2000"/>
+            </a:lvl9pPr>
+          </a:lstStyle>
+          <a:p>
+            <a:r>
+              <a:rPr lang="es-ES" smtClean="0"/>
+              <a:t>Haga clic en el icono para agregar una imagen</a:t>
+            </a:r>
+            <a:endParaRPr lang="en-US" dirty="0"/>
+          </a:p>
+        </p:txBody>
+      </p:sp>
+      <p:sp>
+        <p:nvSpPr>
+          <p:cNvPr id="4" name="Text Placeholder 3"/>
+          <p:cNvSpPr>
+            <a:spLocks noGrp="1"/>
+          </p:cNvSpPr>
+          <p:nvPr>
+            <p:ph type="body" sz="half" idx="2"/>
+          </p:nvPr>
+        </p:nvSpPr>
+        <p:spPr>
+          <a:xfrm>
+            <a:off x="301752" y="6096000"/>
+            <a:ext cx="7772400" cy="612648"/>
+          </a:xfrm>
+        </p:spPr>
+        <p:txBody>
+          <a:bodyPr>
+            <a:normAutofit/>
+          </a:bodyPr>
+          <a:lstStyle>
+            <a:lvl1pPr marL="0" indent="0" algn="ctr">
+              <a:buNone/>
+              <a:defRPr sz="1600"/>
+            </a:lvl1pPr>
+            <a:lvl2pPr marL="457200" indent="0">
+              <a:buNone/>
+              <a:defRPr sz="1200"/>
+            </a:lvl2pPr>
+            <a:lvl3pPr marL="914400" indent="0">
+              <a:buNone/>
+              <a:defRPr sz="1000"/>
+            </a:lvl3pPr>
+            <a:lvl4pPr marL="1371600" indent="0">
+              <a:buNone/>
+              <a:defRPr sz="900"/>
+            </a:lvl4pPr>
+            <a:lvl5pPr marL="1828800" indent="0">
+              <a:buNone/>
+              <a:defRPr sz="900"/>
+            </a:lvl5pPr>
+            <a:lvl6pPr marL="2286000" indent="0">
+              <a:buNone/>
+              <a:defRPr sz="900"/>
+            </a:lvl6pPr>
+            <a:lvl7pPr marL="2743200" indent="0">
+              <a:buNone/>
+              <a:defRPr sz="900"/>
+            </a:lvl7pPr>
+            <a:lvl8pPr marL="3200400" indent="0">
+              <a:buNone/>
+              <a:defRPr sz="900"/>
+            </a:lvl8pPr>
+            <a:lvl9pPr marL="3657600" indent="0">
+              <a:buNone/>
+              <a:defRPr sz="900"/>
+            </a:lvl9pPr>
+          </a:lstStyle>
+          <a:p>
+            <a:pPr lvl="0"/>
+            <a:r>
+              <a:rPr lang="es-ES" smtClean="0"/>
+              <a:t>Haga clic para modificar el estilo de texto del patrón</a:t>
+            </a:r>
+          </a:p>
+        </p:txBody>
+      </p:sp>
+      <p:sp>
+        <p:nvSpPr>
+          <p:cNvPr id="8" name="Date Placeholder 7"/>
+          <p:cNvSpPr>
+            <a:spLocks noGrp="1"/>
+          </p:cNvSpPr>
+          <p:nvPr>
+            <p:ph type="dt" sz="half" idx="10"/>
+          </p:nvPr>
+        </p:nvSpPr>
+        <p:spPr/>
+        <p:txBody>
+          <a:bodyPr/>
+          <a:lstStyle/>
+          <a:p>
+            <a:fld id="{5ADA9B6C-B1AC-4632-9855-2FE3D3A8B71F}" type="datetimeFigureOut">
+              <a:rPr lang="es-ES" smtClean="0"/>
+              <a:t>04/05/2014</a:t>
+            </a:fld>
+            <a:endParaRPr lang="es-ES"/>
+          </a:p>
+        </p:txBody>
+      </p:sp>
+      <p:sp>
+        <p:nvSpPr>
+          <p:cNvPr id="9" name="Slide Number Placeholder 8"/>
+          <p:cNvSpPr>
+            <a:spLocks noGrp="1"/>
+          </p:cNvSpPr>
+          <p:nvPr>
+            <p:ph type="sldNum" sz="quarter" idx="11"/>
+          </p:nvPr>
+        </p:nvSpPr>
+        <p:spPr/>
+        <p:txBody>
+          <a:bodyPr/>
+          <a:lstStyle/>
+          <a:p>
+            <a:fld id="{A2596778-919D-4B84-A54E-F6398A820F99}" type="slidenum">
+              <a:rPr lang="es-ES" smtClean="0"/>
+              <a:t>‹Nº›</a:t>
+            </a:fld>
+            <a:endParaRPr lang="es-ES"/>
+          </a:p>
+        </p:txBody>
+      </p:sp>
+      <p:sp>
+        <p:nvSpPr>
+          <p:cNvPr id="10" name="Footer Placeholder 9"/>
+          <p:cNvSpPr>
+            <a:spLocks noGrp="1"/>
+          </p:cNvSpPr>
+          <p:nvPr>
+            <p:ph type="ftr" sz="quarter" idx="12"/>
+          </p:nvPr>
+        </p:nvSpPr>
+        <p:spPr/>
+        <p:txBody>
+          <a:bodyPr/>
+          <a:lstStyle/>
+          <a:p>
+            <a:endParaRPr lang="es-ES"/>
+          </a:p>
+        </p:txBody>
+      </p:sp>
+    </p:spTree>
+  </p:cSld>
+  <p:clrMapOvr>
+    <a:masterClrMapping/>
+  </p:clrMapOvr>
+</p:sldLayout>
+</file>
+
+<file path=ppt/slideMasters/slideMaster1.xml><?xml version="1.0" encoding="utf-8"?>
+<p:sldMaster xmlns:a="http://schemas.openxmlformats.org/drawingml/2006/main" xmlns:r="http://schemas.openxmlformats.org/officeDocument/2006/relationships" xmlns:p="http://schemas.openxmlformats.org/presentationml/2006/main">
+  <p:cSld>
     <p:bg>
       <p:bgRef idx="1002">
         <a:schemeClr val="bg1"/>
@@ -2612,7 +2555,7 @@
       </p:grpSpPr>
       <p:sp>
         <p:nvSpPr>
-          <p:cNvPr id="2" name="1 Título"/>
+          <p:cNvPr id="2" name="Title Placeholder 1"/>
           <p:cNvSpPr>
             <a:spLocks noGrp="1"/>
           </p:cNvSpPr>
@@ -2622,295 +2565,120 @@
         </p:nvSpPr>
         <p:spPr>
           <a:xfrm>
-            <a:off x="219456" y="150896"/>
-            <a:ext cx="914400" cy="6400800"/>
+            <a:off x="457200" y="274638"/>
+            <a:ext cx="7620000" cy="1143000"/>
           </a:xfrm>
+          <a:prstGeom prst="rect">
+            <a:avLst/>
+          </a:prstGeom>
         </p:spPr>
         <p:txBody>
-          <a:bodyPr vert="vert270" anchor="b"/>
-          <a:lstStyle>
-            <a:lvl1pPr marL="0" algn="l">
-              <a:buNone/>
-              <a:defRPr sz="3000" b="0" cap="all" baseline="0"/>
-            </a:lvl1pPr>
-          </a:lstStyle>
-          <a:p>
-            <a:r>
-              <a:rPr kumimoji="0" lang="es-ES" smtClean="0"/>
+          <a:bodyPr vert="horz" lIns="91440" tIns="45720" rIns="91440" bIns="45720" rtlCol="0" anchor="ctr">
+            <a:noAutofit/>
+          </a:bodyPr>
+          <a:lstStyle/>
+          <a:p>
+            <a:r>
+              <a:rPr lang="es-ES" smtClean="0"/>
               <a:t>Haga clic para modificar el estilo de título del patrón</a:t>
             </a:r>
-            <a:endParaRPr kumimoji="0" lang="en-US"/>
-          </a:p>
-        </p:txBody>
-      </p:sp>
-      <p:sp>
-        <p:nvSpPr>
-          <p:cNvPr id="3" name="2 Marcador de posición de imagen"/>
-          <p:cNvSpPr>
-            <a:spLocks noGrp="1"/>
-          </p:cNvSpPr>
-          <p:nvPr>
-            <p:ph type="pic" idx="1"/>
+            <a:endParaRPr lang="en-US" dirty="0"/>
+          </a:p>
+        </p:txBody>
+      </p:sp>
+      <p:sp>
+        <p:nvSpPr>
+          <p:cNvPr id="3" name="Text Placeholder 2"/>
+          <p:cNvSpPr>
+            <a:spLocks noGrp="1"/>
+          </p:cNvSpPr>
+          <p:nvPr>
+            <p:ph type="body" idx="1"/>
           </p:nvPr>
         </p:nvSpPr>
         <p:spPr>
           <a:xfrm>
-            <a:off x="1138237" y="373966"/>
-            <a:ext cx="7333488" cy="5486400"/>
+            <a:off x="457200" y="1600200"/>
+            <a:ext cx="7620000" cy="4800600"/>
           </a:xfrm>
+          <a:prstGeom prst="rect">
+            <a:avLst/>
+          </a:prstGeom>
+        </p:spPr>
+        <p:txBody>
+          <a:bodyPr vert="horz" lIns="91440" tIns="45720" rIns="91440" bIns="45720" rtlCol="0">
+            <a:normAutofit/>
+          </a:bodyPr>
+          <a:lstStyle/>
+          <a:p>
+            <a:pPr lvl="0"/>
+            <a:r>
+              <a:rPr lang="es-ES" smtClean="0"/>
+              <a:t>Haga clic para modificar el estilo de texto del patrón</a:t>
+            </a:r>
+          </a:p>
+          <a:p>
+            <a:pPr lvl="1"/>
+            <a:r>
+              <a:rPr lang="es-ES" smtClean="0"/>
+              <a:t>Segundo nivel</a:t>
+            </a:r>
+          </a:p>
+          <a:p>
+            <a:pPr lvl="2"/>
+            <a:r>
+              <a:rPr lang="es-ES" smtClean="0"/>
+              <a:t>Tercer nivel</a:t>
+            </a:r>
+          </a:p>
+          <a:p>
+            <a:pPr lvl="3"/>
+            <a:r>
+              <a:rPr lang="es-ES" smtClean="0"/>
+              <a:t>Cuarto nivel</a:t>
+            </a:r>
+          </a:p>
+          <a:p>
+            <a:pPr lvl="4"/>
+            <a:r>
+              <a:rPr lang="es-ES" smtClean="0"/>
+              <a:t>Quinto nivel</a:t>
+            </a:r>
+            <a:endParaRPr lang="en-US" dirty="0"/>
+          </a:p>
+        </p:txBody>
+      </p:sp>
+      <p:sp>
+        <p:nvSpPr>
+          <p:cNvPr id="7" name="Rectangle 6"/>
+          <p:cNvSpPr/>
+          <p:nvPr/>
+        </p:nvSpPr>
+        <p:spPr>
+          <a:xfrm>
+            <a:off x="8458200" y="0"/>
+            <a:ext cx="685800" cy="6858000"/>
+          </a:xfrm>
+          <a:prstGeom prst="rect">
+            <a:avLst/>
+          </a:prstGeom>
           <a:solidFill>
-            <a:schemeClr val="bg2">
+            <a:schemeClr val="tx2"/>
+          </a:solidFill>
+          <a:ln>
+            <a:noFill/>
+          </a:ln>
+        </p:spPr>
+        <p:style>
+          <a:lnRef idx="2">
+            <a:schemeClr val="accent1">
               <a:shade val="50000"/>
             </a:schemeClr>
-          </a:solidFill>
-        </p:spPr>
-        <p:txBody>
-          <a:bodyPr/>
-          <a:lstStyle>
-            <a:lvl1pPr marL="0" indent="0">
-              <a:buNone/>
-              <a:defRPr sz="3200"/>
-            </a:lvl1pPr>
-          </a:lstStyle>
-          <a:p>
-            <a:r>
-              <a:rPr kumimoji="0" lang="es-ES" smtClean="0"/>
-              <a:t>Haga clic en el icono para agregar una imagen</a:t>
-            </a:r>
-            <a:endParaRPr kumimoji="0" lang="en-US" dirty="0"/>
-          </a:p>
-        </p:txBody>
-      </p:sp>
-      <p:sp>
-        <p:nvSpPr>
-          <p:cNvPr id="4" name="3 Marcador de texto"/>
-          <p:cNvSpPr>
-            <a:spLocks noGrp="1"/>
-          </p:cNvSpPr>
-          <p:nvPr>
-            <p:ph type="body" sz="half" idx="2"/>
-          </p:nvPr>
-        </p:nvSpPr>
-        <p:spPr>
-          <a:xfrm>
-            <a:off x="1143000" y="5867400"/>
-            <a:ext cx="7333488" cy="685800"/>
-          </a:xfrm>
-          <a:solidFill>
-            <a:schemeClr val="accent1">
-              <a:alpha val="15000"/>
-            </a:schemeClr>
-          </a:solidFill>
-          <a:ln>
-            <a:solidFill>
-              <a:schemeClr val="accent1"/>
-            </a:solidFill>
-            <a:miter lim="800000"/>
-          </a:ln>
-        </p:spPr>
-        <p:txBody>
-          <a:bodyPr/>
-          <a:lstStyle>
-            <a:lvl1pPr marL="0" indent="0">
-              <a:spcBef>
-                <a:spcPts val="0"/>
-              </a:spcBef>
-              <a:buNone/>
-              <a:defRPr sz="1400"/>
-            </a:lvl1pPr>
-            <a:lvl2pPr>
-              <a:defRPr sz="1200"/>
-            </a:lvl2pPr>
-            <a:lvl3pPr>
-              <a:defRPr sz="1000"/>
-            </a:lvl3pPr>
-            <a:lvl4pPr>
-              <a:defRPr sz="900"/>
-            </a:lvl4pPr>
-            <a:lvl5pPr>
-              <a:defRPr sz="900"/>
-            </a:lvl5pPr>
-          </a:lstStyle>
-          <a:p>
-            <a:pPr lvl="0" eaLnBrk="1" latinLnBrk="0" hangingPunct="1"/>
-            <a:r>
-              <a:rPr kumimoji="0" lang="es-ES" smtClean="0"/>
-              <a:t>Haga clic para modificar el estilo de texto del patrón</a:t>
-            </a:r>
-          </a:p>
-        </p:txBody>
-      </p:sp>
-      <p:sp>
-        <p:nvSpPr>
-          <p:cNvPr id="5" name="4 Marcador de fecha"/>
-          <p:cNvSpPr>
-            <a:spLocks noGrp="1"/>
-          </p:cNvSpPr>
-          <p:nvPr>
-            <p:ph type="dt" sz="half" idx="10"/>
-          </p:nvPr>
-        </p:nvSpPr>
-        <p:spPr>
-          <a:xfrm>
-            <a:off x="6108192" y="6556248"/>
-            <a:ext cx="2103120" cy="301752"/>
-          </a:xfrm>
-        </p:spPr>
-        <p:txBody>
-          <a:bodyPr/>
-          <a:lstStyle>
-            <a:lvl1pPr>
-              <a:defRPr sz="900"/>
-            </a:lvl1pPr>
-          </a:lstStyle>
-          <a:p>
-            <a:fld id="{5ADA9B6C-B1AC-4632-9855-2FE3D3A8B71F}" type="datetimeFigureOut">
-              <a:rPr lang="es-ES" smtClean="0"/>
-              <a:t>03/05/2014</a:t>
-            </a:fld>
-            <a:endParaRPr lang="es-ES"/>
-          </a:p>
-        </p:txBody>
-      </p:sp>
-      <p:sp>
-        <p:nvSpPr>
-          <p:cNvPr id="6" name="5 Marcador de pie de página"/>
-          <p:cNvSpPr>
-            <a:spLocks noGrp="1"/>
-          </p:cNvSpPr>
-          <p:nvPr>
-            <p:ph type="ftr" sz="quarter" idx="11"/>
-          </p:nvPr>
-        </p:nvSpPr>
-        <p:spPr>
-          <a:xfrm>
-            <a:off x="1170432" y="6557169"/>
-            <a:ext cx="4948072" cy="301752"/>
-          </a:xfrm>
-        </p:spPr>
-        <p:txBody>
-          <a:bodyPr/>
-          <a:lstStyle>
-            <a:lvl1pPr>
-              <a:defRPr sz="900"/>
-            </a:lvl1pPr>
-          </a:lstStyle>
-          <a:p>
-            <a:endParaRPr lang="es-ES"/>
-          </a:p>
-        </p:txBody>
-      </p:sp>
-      <p:sp>
-        <p:nvSpPr>
-          <p:cNvPr id="7" name="6 Marcador de número de diapositiva"/>
-          <p:cNvSpPr>
-            <a:spLocks noGrp="1"/>
-          </p:cNvSpPr>
-          <p:nvPr>
-            <p:ph type="sldNum" sz="quarter" idx="12"/>
-          </p:nvPr>
-        </p:nvSpPr>
-        <p:spPr>
-          <a:xfrm>
-            <a:off x="8217192" y="6556248"/>
-            <a:ext cx="365760" cy="301752"/>
-          </a:xfrm>
-        </p:spPr>
-        <p:txBody>
-          <a:bodyPr/>
-          <a:lstStyle>
-            <a:lvl1pPr algn="ctr">
-              <a:defRPr sz="900"/>
-            </a:lvl1pPr>
-          </a:lstStyle>
-          <a:p>
-            <a:fld id="{A2596778-919D-4B84-A54E-F6398A820F99}" type="slidenum">
-              <a:rPr lang="es-ES" smtClean="0"/>
-              <a:t>‹Nº›</a:t>
-            </a:fld>
-            <a:endParaRPr lang="es-ES"/>
-          </a:p>
-        </p:txBody>
-      </p:sp>
-    </p:spTree>
-  </p:cSld>
-  <p:clrMapOvr>
-    <a:overrideClrMapping bg1="dk1" tx1="lt1" bg2="dk2" tx2="lt2" accent1="accent1" accent2="accent2" accent3="accent3" accent4="accent4" accent5="accent5" accent6="accent6" hlink="hlink" folHlink="folHlink"/>
-  </p:clrMapOvr>
-</p:sldLayout>
-</file>
-
-<file path=ppt/slideMasters/slideMaster1.xml><?xml version="1.0" encoding="utf-8"?>
-<p:sldMaster xmlns:a="http://schemas.openxmlformats.org/drawingml/2006/main" xmlns:r="http://schemas.openxmlformats.org/officeDocument/2006/relationships" xmlns:p="http://schemas.openxmlformats.org/presentationml/2006/main">
-  <p:cSld>
-    <p:bg>
-      <p:bgRef idx="1002">
-        <a:schemeClr val="bg2"/>
-      </p:bgRef>
-    </p:bg>
-    <p:spTree>
-      <p:nvGrpSpPr>
-        <p:cNvPr id="1" name=""/>
-        <p:cNvGrpSpPr/>
-        <p:nvPr/>
-      </p:nvGrpSpPr>
-      <p:grpSpPr>
-        <a:xfrm>
-          <a:off x="0" y="0"/>
-          <a:ext cx="0" cy="0"/>
-          <a:chOff x="0" y="0"/>
-          <a:chExt cx="0" cy="0"/>
-        </a:xfrm>
-      </p:grpSpPr>
-      <p:sp>
-        <p:nvSpPr>
-          <p:cNvPr id="11" name="10 Triángulo rectángulo"/>
-          <p:cNvSpPr/>
-          <p:nvPr/>
-        </p:nvSpPr>
-        <p:spPr>
-          <a:xfrm>
-            <a:off x="7034" y="14068"/>
-            <a:ext cx="9129932" cy="6836899"/>
-          </a:xfrm>
-          <a:prstGeom prst="rtTriangle">
-            <a:avLst/>
-          </a:prstGeom>
-          <a:gradFill flip="none" rotWithShape="1">
-            <a:gsLst>
-              <a:gs pos="0">
-                <a:schemeClr val="tx2">
-                  <a:alpha val="10000"/>
-                </a:schemeClr>
-              </a:gs>
-              <a:gs pos="70000">
-                <a:schemeClr val="tx2">
-                  <a:alpha val="8000"/>
-                </a:schemeClr>
-              </a:gs>
-              <a:gs pos="100000">
-                <a:schemeClr val="tx2">
-                  <a:alpha val="1000"/>
-                </a:schemeClr>
-              </a:gs>
-            </a:gsLst>
-            <a:lin ang="8000000" scaled="1"/>
-            <a:tileRect/>
-          </a:gradFill>
-          <a:ln w="38100" cap="rnd" cmpd="sng" algn="ctr">
-            <a:noFill/>
-            <a:prstDash val="solid"/>
-          </a:ln>
-          <a:effectLst/>
-        </p:spPr>
-        <p:style>
-          <a:lnRef idx="3">
-            <a:schemeClr val="lt1"/>
           </a:lnRef>
           <a:fillRef idx="1">
             <a:schemeClr val="accent1"/>
           </a:fillRef>
-          <a:effectRef idx="1">
+          <a:effectRef idx="0">
             <a:schemeClr val="accent1"/>
           </a:effectRef>
           <a:fontRef idx="minor">
@@ -2918,219 +2686,167 @@
           </a:fontRef>
         </p:style>
         <p:txBody>
-          <a:bodyPr anchor="ctr"/>
-          <a:lstStyle/>
-          <a:p>
-            <a:pPr algn="ctr" eaLnBrk="1" latinLnBrk="0" hangingPunct="1"/>
-            <a:endParaRPr kumimoji="0" lang="en-US"/>
-          </a:p>
-        </p:txBody>
-      </p:sp>
-      <p:cxnSp>
-        <p:nvCxnSpPr>
-          <p:cNvPr id="8" name="7 Conector recto"/>
-          <p:cNvCxnSpPr/>
+          <a:bodyPr rtlCol="0" anchor="ctr"/>
+          <a:lstStyle/>
+          <a:p>
+            <a:pPr algn="ctr"/>
+            <a:endParaRPr lang="en-US"/>
+          </a:p>
+        </p:txBody>
+      </p:sp>
+      <p:sp>
+        <p:nvSpPr>
+          <p:cNvPr id="8" name="Rectangle 7"/>
+          <p:cNvSpPr/>
           <p:nvPr/>
-        </p:nvCxnSpPr>
+        </p:nvSpPr>
         <p:spPr>
           <a:xfrm>
-            <a:off x="0" y="7034"/>
-            <a:ext cx="9136966" cy="6843933"/>
+            <a:off x="8458200" y="5486400"/>
+            <a:ext cx="685800" cy="685800"/>
           </a:xfrm>
-          <a:prstGeom prst="line">
+          <a:prstGeom prst="rect">
             <a:avLst/>
           </a:prstGeom>
-          <a:noFill/>
-          <a:ln w="5000" cap="rnd" cmpd="sng" algn="ctr">
-            <a:solidFill>
-              <a:schemeClr val="bg2">
-                <a:tint val="55000"/>
-                <a:satMod val="200000"/>
-                <a:alpha val="35000"/>
-              </a:schemeClr>
-            </a:solidFill>
-            <a:prstDash val="solid"/>
+          <a:solidFill>
+            <a:schemeClr val="accent1"/>
+          </a:solidFill>
+          <a:ln>
+            <a:noFill/>
           </a:ln>
-          <a:effectLst/>
         </p:spPr>
         <p:style>
           <a:lnRef idx="2">
-            <a:schemeClr val="accent1"/>
+            <a:schemeClr val="accent1">
+              <a:shade val="50000"/>
+            </a:schemeClr>
           </a:lnRef>
-          <a:fillRef idx="0">
+          <a:fillRef idx="1">
             <a:schemeClr val="accent1"/>
           </a:fillRef>
-          <a:effectRef idx="1">
+          <a:effectRef idx="0">
             <a:schemeClr val="accent1"/>
           </a:effectRef>
           <a:fontRef idx="minor">
-            <a:schemeClr val="tx1"/>
+            <a:schemeClr val="lt1"/>
           </a:fontRef>
         </p:style>
-      </p:cxnSp>
-      <p:cxnSp>
-        <p:nvCxnSpPr>
-          <p:cNvPr id="9" name="8 Conector recto"/>
-          <p:cNvCxnSpPr/>
-          <p:nvPr/>
-        </p:nvCxnSpPr>
-        <p:spPr>
-          <a:xfrm rot="10800000" flipV="1">
-            <a:off x="6468794" y="4948410"/>
-            <a:ext cx="2672861" cy="1900210"/>
-          </a:xfrm>
-          <a:prstGeom prst="line">
-            <a:avLst/>
-          </a:prstGeom>
-          <a:noFill/>
-          <a:ln w="6000" cap="rnd" cmpd="sng" algn="ctr">
-            <a:solidFill>
-              <a:schemeClr val="bg2">
-                <a:tint val="50000"/>
-                <a:satMod val="200000"/>
-                <a:alpha val="45000"/>
-              </a:schemeClr>
-            </a:solidFill>
-            <a:prstDash val="solid"/>
-          </a:ln>
-          <a:effectLst/>
-        </p:spPr>
-        <p:style>
-          <a:lnRef idx="2">
-            <a:schemeClr val="accent1"/>
-          </a:lnRef>
-          <a:fillRef idx="0">
-            <a:schemeClr val="accent1"/>
-          </a:fillRef>
-          <a:effectRef idx="1">
-            <a:schemeClr val="accent1"/>
-          </a:effectRef>
-          <a:fontRef idx="minor">
-            <a:schemeClr val="tx1"/>
-          </a:fontRef>
-        </p:style>
-      </p:cxnSp>
-      <p:sp>
-        <p:nvSpPr>
-          <p:cNvPr id="22" name="21 Marcador de título"/>
-          <p:cNvSpPr>
-            <a:spLocks noGrp="1"/>
-          </p:cNvSpPr>
-          <p:nvPr>
-            <p:ph type="title"/>
+        <p:txBody>
+          <a:bodyPr rtlCol="0" anchor="ctr"/>
+          <a:lstStyle/>
+          <a:p>
+            <a:pPr algn="ctr"/>
+            <a:endParaRPr lang="en-US"/>
+          </a:p>
+        </p:txBody>
+      </p:sp>
+      <p:sp>
+        <p:nvSpPr>
+          <p:cNvPr id="6" name="Slide Number Placeholder 5"/>
+          <p:cNvSpPr>
+            <a:spLocks noGrp="1"/>
+          </p:cNvSpPr>
+          <p:nvPr>
+            <p:ph type="sldNum" sz="quarter" idx="4"/>
           </p:nvPr>
         </p:nvSpPr>
         <p:spPr>
           <a:xfrm>
-            <a:off x="457200" y="267494"/>
-            <a:ext cx="8229600" cy="1399032"/>
+            <a:off x="8531788" y="5648960"/>
+            <a:ext cx="548640" cy="396240"/>
+          </a:xfrm>
+          <a:prstGeom prst="bracketPair">
+            <a:avLst>
+              <a:gd name="adj" fmla="val 17949"/>
+            </a:avLst>
+          </a:prstGeom>
+          <a:ln w="19050">
+            <a:solidFill>
+              <a:srgbClr val="FFFFFF"/>
+            </a:solidFill>
+          </a:ln>
+        </p:spPr>
+        <p:txBody>
+          <a:bodyPr vert="horz" lIns="0" tIns="0" rIns="0" bIns="0" rtlCol="0" anchor="ctr"/>
+          <a:lstStyle>
+            <a:lvl1pPr algn="ctr">
+              <a:defRPr sz="1800">
+                <a:solidFill>
+                  <a:srgbClr val="FFFFFF"/>
+                </a:solidFill>
+              </a:defRPr>
+            </a:lvl1pPr>
+          </a:lstStyle>
+          <a:p>
+            <a:fld id="{A2596778-919D-4B84-A54E-F6398A820F99}" type="slidenum">
+              <a:rPr lang="es-ES" smtClean="0"/>
+              <a:t>‹Nº›</a:t>
+            </a:fld>
+            <a:endParaRPr lang="es-ES"/>
+          </a:p>
+        </p:txBody>
+      </p:sp>
+      <p:sp>
+        <p:nvSpPr>
+          <p:cNvPr id="5" name="Footer Placeholder 4"/>
+          <p:cNvSpPr>
+            <a:spLocks noGrp="1"/>
+          </p:cNvSpPr>
+          <p:nvPr>
+            <p:ph type="ftr" sz="quarter" idx="3"/>
+          </p:nvPr>
+        </p:nvSpPr>
+        <p:spPr>
+          <a:xfrm rot="16200000">
+            <a:off x="7586910" y="4048760"/>
+            <a:ext cx="2367281" cy="365760"/>
           </a:xfrm>
           <a:prstGeom prst="rect">
             <a:avLst/>
           </a:prstGeom>
         </p:spPr>
         <p:txBody>
-          <a:bodyPr vert="horz" anchor="ctr">
-            <a:normAutofit/>
-          </a:bodyPr>
-          <a:lstStyle/>
-          <a:p>
-            <a:r>
-              <a:rPr kumimoji="0" lang="es-ES" smtClean="0"/>
-              <a:t>Haga clic para modificar el estilo de título del patrón</a:t>
-            </a:r>
-            <a:endParaRPr kumimoji="0" lang="en-US"/>
-          </a:p>
-        </p:txBody>
-      </p:sp>
-      <p:sp>
-        <p:nvSpPr>
-          <p:cNvPr id="13" name="12 Marcador de texto"/>
-          <p:cNvSpPr>
-            <a:spLocks noGrp="1"/>
-          </p:cNvSpPr>
-          <p:nvPr>
-            <p:ph type="body" idx="1"/>
+          <a:bodyPr vert="horz" lIns="91440" tIns="45720" rIns="91440" bIns="45720" rtlCol="0" anchor="ctr"/>
+          <a:lstStyle>
+            <a:lvl1pPr algn="r">
+              <a:defRPr sz="1200">
+                <a:solidFill>
+                  <a:schemeClr val="bg2"/>
+                </a:solidFill>
+              </a:defRPr>
+            </a:lvl1pPr>
+          </a:lstStyle>
+          <a:p>
+            <a:endParaRPr lang="es-ES"/>
+          </a:p>
+        </p:txBody>
+      </p:sp>
+      <p:sp>
+        <p:nvSpPr>
+          <p:cNvPr id="4" name="Date Placeholder 3"/>
+          <p:cNvSpPr>
+            <a:spLocks noGrp="1"/>
+          </p:cNvSpPr>
+          <p:nvPr>
+            <p:ph type="dt" sz="half" idx="2"/>
           </p:nvPr>
         </p:nvSpPr>
         <p:spPr>
-          <a:xfrm>
-            <a:off x="457200" y="1882808"/>
-            <a:ext cx="8229600" cy="4572000"/>
+          <a:xfrm rot="16200000">
+            <a:off x="7551351" y="1645920"/>
+            <a:ext cx="2438399" cy="365760"/>
           </a:xfrm>
           <a:prstGeom prst="rect">
             <a:avLst/>
           </a:prstGeom>
         </p:spPr>
         <p:txBody>
-          <a:bodyPr vert="horz" anchor="t">
-            <a:normAutofit/>
-          </a:bodyPr>
-          <a:lstStyle/>
-          <a:p>
-            <a:pPr lvl="0" eaLnBrk="1" latinLnBrk="0" hangingPunct="1"/>
-            <a:r>
-              <a:rPr kumimoji="0" lang="es-ES" smtClean="0"/>
-              <a:t>Haga clic para modificar el estilo de texto del patrón</a:t>
-            </a:r>
-          </a:p>
-          <a:p>
-            <a:pPr lvl="1" eaLnBrk="1" latinLnBrk="0" hangingPunct="1"/>
-            <a:r>
-              <a:rPr kumimoji="0" lang="es-ES" smtClean="0"/>
-              <a:t>Segundo nivel</a:t>
-            </a:r>
-          </a:p>
-          <a:p>
-            <a:pPr lvl="2" eaLnBrk="1" latinLnBrk="0" hangingPunct="1"/>
-            <a:r>
-              <a:rPr kumimoji="0" lang="es-ES" smtClean="0"/>
-              <a:t>Tercer nivel</a:t>
-            </a:r>
-          </a:p>
-          <a:p>
-            <a:pPr lvl="3" eaLnBrk="1" latinLnBrk="0" hangingPunct="1"/>
-            <a:r>
-              <a:rPr kumimoji="0" lang="es-ES" smtClean="0"/>
-              <a:t>Cuarto nivel</a:t>
-            </a:r>
-          </a:p>
-          <a:p>
-            <a:pPr lvl="4" eaLnBrk="1" latinLnBrk="0" hangingPunct="1"/>
-            <a:r>
-              <a:rPr kumimoji="0" lang="es-ES" smtClean="0"/>
-              <a:t>Quinto nivel</a:t>
-            </a:r>
-            <a:endParaRPr kumimoji="0" lang="en-US"/>
-          </a:p>
-        </p:txBody>
-      </p:sp>
-      <p:sp>
-        <p:nvSpPr>
-          <p:cNvPr id="14" name="13 Marcador de fecha"/>
-          <p:cNvSpPr>
-            <a:spLocks noGrp="1"/>
-          </p:cNvSpPr>
-          <p:nvPr>
-            <p:ph type="dt" sz="half" idx="2"/>
-          </p:nvPr>
-        </p:nvSpPr>
-        <p:spPr>
-          <a:xfrm>
-            <a:off x="4791456" y="6480969"/>
-            <a:ext cx="2133600" cy="301752"/>
-          </a:xfrm>
-          <a:prstGeom prst="rect">
-            <a:avLst/>
-          </a:prstGeom>
-        </p:spPr>
-        <p:txBody>
-          <a:bodyPr vert="horz" anchor="b"/>
+          <a:bodyPr vert="horz" lIns="91440" tIns="45720" rIns="91440" bIns="45720" rtlCol="0" anchor="ctr"/>
           <a:lstStyle>
-            <a:lvl1pPr algn="l" eaLnBrk="1" latinLnBrk="0" hangingPunct="1">
-              <a:defRPr kumimoji="0" sz="1000" b="0">
+            <a:lvl1pPr algn="l">
+              <a:defRPr sz="1200">
                 <a:solidFill>
-                  <a:schemeClr val="tx1"/>
+                  <a:schemeClr val="bg2"/>
                 </a:solidFill>
               </a:defRPr>
             </a:lvl1pPr>
@@ -3138,130 +2854,43 @@
           <a:p>
             <a:fld id="{5ADA9B6C-B1AC-4632-9855-2FE3D3A8B71F}" type="datetimeFigureOut">
               <a:rPr lang="es-ES" smtClean="0"/>
-              <a:t>03/05/2014</a:t>
+              <a:t>04/05/2014</a:t>
             </a:fld>
             <a:endParaRPr lang="es-ES"/>
           </a:p>
         </p:txBody>
       </p:sp>
-      <p:sp>
-        <p:nvSpPr>
-          <p:cNvPr id="3" name="2 Marcador de pie de página"/>
-          <p:cNvSpPr>
-            <a:spLocks noGrp="1"/>
-          </p:cNvSpPr>
-          <p:nvPr>
-            <p:ph type="ftr" sz="quarter" idx="3"/>
-          </p:nvPr>
-        </p:nvSpPr>
-        <p:spPr>
-          <a:xfrm>
-            <a:off x="457200" y="6481890"/>
-            <a:ext cx="4260056" cy="300831"/>
-          </a:xfrm>
-          <a:prstGeom prst="rect">
-            <a:avLst/>
-          </a:prstGeom>
-        </p:spPr>
-        <p:txBody>
-          <a:bodyPr vert="horz" anchor="b"/>
-          <a:lstStyle>
-            <a:lvl1pPr algn="r" eaLnBrk="1" latinLnBrk="0" hangingPunct="1">
-              <a:defRPr kumimoji="0" sz="1000">
-                <a:solidFill>
-                  <a:schemeClr val="tx1"/>
-                </a:solidFill>
-              </a:defRPr>
-            </a:lvl1pPr>
-          </a:lstStyle>
-          <a:p>
-            <a:endParaRPr lang="es-ES"/>
-          </a:p>
-        </p:txBody>
-      </p:sp>
-      <p:sp>
-        <p:nvSpPr>
-          <p:cNvPr id="23" name="22 Marcador de número de diapositiva"/>
-          <p:cNvSpPr>
-            <a:spLocks noGrp="1"/>
-          </p:cNvSpPr>
-          <p:nvPr>
-            <p:ph type="sldNum" sz="quarter" idx="4"/>
-          </p:nvPr>
-        </p:nvSpPr>
-        <p:spPr>
-          <a:xfrm>
-            <a:off x="7589520" y="6480969"/>
-            <a:ext cx="502920" cy="301752"/>
-          </a:xfrm>
-          <a:prstGeom prst="rect">
-            <a:avLst/>
-          </a:prstGeom>
-        </p:spPr>
-        <p:txBody>
-          <a:bodyPr vert="horz" anchor="b"/>
-          <a:lstStyle>
-            <a:lvl1pPr algn="ctr" eaLnBrk="1" latinLnBrk="0" hangingPunct="1">
-              <a:defRPr kumimoji="0" sz="1200">
-                <a:solidFill>
-                  <a:schemeClr val="tx1"/>
-                </a:solidFill>
-              </a:defRPr>
-            </a:lvl1pPr>
-          </a:lstStyle>
-          <a:p>
-            <a:fld id="{A2596778-919D-4B84-A54E-F6398A820F99}" type="slidenum">
-              <a:rPr lang="es-ES" smtClean="0"/>
-              <a:t>‹Nº›</a:t>
-            </a:fld>
-            <a:endParaRPr lang="es-ES"/>
-          </a:p>
-        </p:txBody>
-      </p:sp>
     </p:spTree>
   </p:cSld>
-  <p:clrMap bg1="dk1" tx1="lt1" bg2="dk2" tx2="lt2" accent1="accent1" accent2="accent2" accent3="accent3" accent4="accent4" accent5="accent5" accent6="accent6" hlink="hlink" folHlink="folHlink"/>
+  <p:clrMap bg1="lt1" tx1="dk1" bg2="lt2" tx2="dk2" accent1="accent1" accent2="accent2" accent3="accent3" accent4="accent4" accent5="accent5" accent6="accent6" hlink="hlink" folHlink="folHlink"/>
   <p:sldLayoutIdLst>
-    <p:sldLayoutId id="2147483901" r:id="rId1"/>
-    <p:sldLayoutId id="2147483902" r:id="rId2"/>
-    <p:sldLayoutId id="2147483903" r:id="rId3"/>
-    <p:sldLayoutId id="2147483904" r:id="rId4"/>
-    <p:sldLayoutId id="2147483905" r:id="rId5"/>
-    <p:sldLayoutId id="2147483906" r:id="rId6"/>
-    <p:sldLayoutId id="2147483907" r:id="rId7"/>
-    <p:sldLayoutId id="2147483908" r:id="rId8"/>
-    <p:sldLayoutId id="2147483909" r:id="rId9"/>
-    <p:sldLayoutId id="2147483910" r:id="rId10"/>
-    <p:sldLayoutId id="2147483911" r:id="rId11"/>
+    <p:sldLayoutId id="2147483925" r:id="rId1"/>
+    <p:sldLayoutId id="2147483926" r:id="rId2"/>
+    <p:sldLayoutId id="2147483927" r:id="rId3"/>
+    <p:sldLayoutId id="2147483928" r:id="rId4"/>
+    <p:sldLayoutId id="2147483929" r:id="rId5"/>
+    <p:sldLayoutId id="2147483930" r:id="rId6"/>
+    <p:sldLayoutId id="2147483931" r:id="rId7"/>
+    <p:sldLayoutId id="2147483932" r:id="rId8"/>
+    <p:sldLayoutId id="2147483933" r:id="rId9"/>
+    <p:sldLayoutId id="2147483934" r:id="rId10"/>
+    <p:sldLayoutId id="2147483935" r:id="rId11"/>
   </p:sldLayoutIdLst>
   <p:txStyles>
     <p:titleStyle>
-      <a:lvl1pPr marL="484632" algn="l" rtl="0" eaLnBrk="1" latinLnBrk="0" hangingPunct="1">
+      <a:lvl1pPr algn="l" defTabSz="914400" rtl="0" eaLnBrk="1" latinLnBrk="0" hangingPunct="1">
         <a:spcBef>
           <a:spcPct val="0"/>
         </a:spcBef>
         <a:buNone/>
-        <a:defRPr kumimoji="0" sz="4200" kern="1200">
-          <a:ln w="6350">
-            <a:solidFill>
-              <a:schemeClr val="accent1">
-                <a:shade val="43000"/>
-              </a:schemeClr>
-            </a:solidFill>
+        <a:defRPr sz="4600" kern="1200" cap="none" spc="-100" baseline="0">
+          <a:ln>
+            <a:noFill/>
           </a:ln>
           <a:solidFill>
-            <a:schemeClr val="accent1">
-              <a:tint val="83000"/>
-              <a:satMod val="150000"/>
-            </a:schemeClr>
+            <a:schemeClr val="tx2"/>
           </a:solidFill>
-          <a:effectLst>
-            <a:outerShdw blurRad="26000" dist="26000" dir="14500000" algn="tl" rotWithShape="0">
-              <a:srgbClr val="000000">
-                <a:alpha val="40000"/>
-              </a:srgbClr>
-            </a:outerShdw>
-          </a:effectLst>
+          <a:effectLst/>
           <a:latin typeface="+mj-lt"/>
           <a:ea typeface="+mj-ea"/>
           <a:cs typeface="+mj-cs"/>
@@ -3269,17 +2898,16 @@
       </a:lvl1pPr>
     </p:titleStyle>
     <p:bodyStyle>
-      <a:lvl1pPr marL="448056" indent="-384048" algn="l" rtl="0" eaLnBrk="1" latinLnBrk="0" hangingPunct="1">
+      <a:lvl1pPr marL="342900" indent="-228600" algn="l" defTabSz="914400" rtl="0" eaLnBrk="1" latinLnBrk="0" hangingPunct="1">
         <a:spcBef>
           <a:spcPct val="20000"/>
         </a:spcBef>
         <a:buClr>
           <a:schemeClr val="accent1"/>
         </a:buClr>
-        <a:buSzPct val="80000"/>
-        <a:buFont typeface="Wingdings 2"/>
-        <a:buChar char=""/>
-        <a:defRPr kumimoji="0" sz="3000" kern="1200">
+        <a:buFont typeface="Arial" pitchFamily="34" charset="0"/>
+        <a:buChar char="•"/>
+        <a:defRPr sz="2200" kern="1200">
           <a:solidFill>
             <a:schemeClr val="tx1"/>
           </a:solidFill>
@@ -3288,17 +2916,16 @@
           <a:cs typeface="+mn-cs"/>
         </a:defRPr>
       </a:lvl1pPr>
-      <a:lvl2pPr marL="822960" indent="-285750" algn="l" rtl="0" eaLnBrk="1" latinLnBrk="0" hangingPunct="1">
+      <a:lvl2pPr marL="640080" indent="-228600" algn="l" defTabSz="914400" rtl="0" eaLnBrk="1" latinLnBrk="0" hangingPunct="1">
         <a:spcBef>
           <a:spcPct val="20000"/>
         </a:spcBef>
         <a:buClr>
-          <a:schemeClr val="accent1"/>
+          <a:schemeClr val="accent2"/>
         </a:buClr>
-        <a:buSzPct val="95000"/>
-        <a:buFont typeface="Verdana"/>
-        <a:buChar char="›"/>
-        <a:defRPr kumimoji="0" sz="2600" kern="1200">
+        <a:buFont typeface="Arial" pitchFamily="34" charset="0"/>
+        <a:buChar char="•"/>
+        <a:defRPr sz="2000" kern="1200">
           <a:solidFill>
             <a:schemeClr val="tx1"/>
           </a:solidFill>
@@ -3307,16 +2934,16 @@
           <a:cs typeface="+mn-cs"/>
         </a:defRPr>
       </a:lvl2pPr>
-      <a:lvl3pPr marL="1106424" indent="-228600" algn="l" rtl="0" eaLnBrk="1" latinLnBrk="0" hangingPunct="1">
+      <a:lvl3pPr marL="1005840" indent="-228600" algn="l" defTabSz="914400" rtl="0" eaLnBrk="1" latinLnBrk="0" hangingPunct="1">
         <a:spcBef>
           <a:spcPct val="20000"/>
         </a:spcBef>
         <a:buClr>
-          <a:schemeClr val="accent1"/>
+          <a:schemeClr val="accent3"/>
         </a:buClr>
-        <a:buFont typeface="Wingdings 2"/>
-        <a:buChar char=""/>
-        <a:defRPr kumimoji="0" sz="2400" kern="1200">
+        <a:buFont typeface="Arial" pitchFamily="34" charset="0"/>
+        <a:buChar char="•"/>
+        <a:defRPr sz="1800" kern="1200">
           <a:solidFill>
             <a:schemeClr val="tx1"/>
           </a:solidFill>
@@ -3325,16 +2952,16 @@
           <a:cs typeface="+mn-cs"/>
         </a:defRPr>
       </a:lvl3pPr>
-      <a:lvl4pPr marL="1371600" indent="-210312" algn="l" rtl="0" eaLnBrk="1" latinLnBrk="0" hangingPunct="1">
+      <a:lvl4pPr marL="1280160" indent="-228600" algn="l" defTabSz="914400" rtl="0" eaLnBrk="1" latinLnBrk="0" hangingPunct="1">
         <a:spcBef>
           <a:spcPct val="20000"/>
         </a:spcBef>
         <a:buClr>
-          <a:schemeClr val="accent1"/>
+          <a:schemeClr val="accent4"/>
         </a:buClr>
-        <a:buFont typeface="Wingdings 2"/>
-        <a:buChar char=""/>
-        <a:defRPr kumimoji="0" sz="2000" kern="1200">
+        <a:buFont typeface="Arial" pitchFamily="34" charset="0"/>
+        <a:buChar char="•"/>
+        <a:defRPr sz="1600" kern="1200">
           <a:solidFill>
             <a:schemeClr val="tx1"/>
           </a:solidFill>
@@ -3343,18 +2970,16 @@
           <a:cs typeface="+mn-cs"/>
         </a:defRPr>
       </a:lvl4pPr>
-      <a:lvl5pPr marL="1600200" indent="-210312" algn="l" rtl="0" eaLnBrk="1" latinLnBrk="0" hangingPunct="1">
+      <a:lvl5pPr marL="1554480" indent="-228600" algn="l" defTabSz="914400" rtl="0" eaLnBrk="1" latinLnBrk="0" hangingPunct="1">
         <a:spcBef>
           <a:spcPct val="20000"/>
         </a:spcBef>
         <a:buClr>
-          <a:schemeClr val="accent1">
-            <a:tint val="75000"/>
-          </a:schemeClr>
+          <a:schemeClr val="accent5"/>
         </a:buClr>
-        <a:buFont typeface="Wingdings 2"/>
-        <a:buChar char=""/>
-        <a:defRPr kumimoji="0" sz="1900" kern="1200">
+        <a:buFont typeface="Arial" pitchFamily="34" charset="0"/>
+        <a:buChar char="•"/>
+        <a:defRPr sz="1400" kern="1200" baseline="0">
           <a:solidFill>
             <a:schemeClr val="tx1"/>
           </a:solidFill>
@@ -3363,18 +2988,16 @@
           <a:cs typeface="+mn-cs"/>
         </a:defRPr>
       </a:lvl5pPr>
-      <a:lvl6pPr marL="1828800" indent="-210312" algn="l" rtl="0" eaLnBrk="1" latinLnBrk="0" hangingPunct="1">
+      <a:lvl6pPr marL="1737360" indent="-182880" algn="l" defTabSz="914400" rtl="0" eaLnBrk="1" latinLnBrk="0" hangingPunct="1">
         <a:spcBef>
           <a:spcPct val="20000"/>
         </a:spcBef>
         <a:buClr>
-          <a:schemeClr val="accent1">
-            <a:tint val="75000"/>
-          </a:schemeClr>
+          <a:schemeClr val="accent1"/>
         </a:buClr>
-        <a:buFont typeface="Wingdings 2"/>
-        <a:buChar char=""/>
-        <a:defRPr kumimoji="0" sz="1800" kern="1200">
+        <a:buFont typeface="Arial" pitchFamily="34" charset="0"/>
+        <a:buChar char="•"/>
+        <a:defRPr sz="1400" kern="1200" baseline="0">
           <a:solidFill>
             <a:schemeClr val="tx1"/>
           </a:solidFill>
@@ -3383,18 +3006,16 @@
           <a:cs typeface="+mn-cs"/>
         </a:defRPr>
       </a:lvl6pPr>
-      <a:lvl7pPr marL="2084832" indent="-210312" algn="l" rtl="0" eaLnBrk="1" latinLnBrk="0" hangingPunct="1">
+      <a:lvl7pPr marL="1920240" indent="-182880" algn="l" defTabSz="914400" rtl="0" eaLnBrk="1" latinLnBrk="0" hangingPunct="1">
         <a:spcBef>
           <a:spcPct val="20000"/>
         </a:spcBef>
         <a:buClr>
-          <a:schemeClr val="accent1">
-            <a:tint val="75000"/>
-          </a:schemeClr>
+          <a:schemeClr val="accent2"/>
         </a:buClr>
-        <a:buFont typeface="Wingdings 2"/>
-        <a:buChar char=""/>
-        <a:defRPr kumimoji="0" sz="1600" kern="1200">
+        <a:buFont typeface="Arial" pitchFamily="34" charset="0"/>
+        <a:buChar char="•"/>
+        <a:defRPr sz="1400" kern="1200">
           <a:solidFill>
             <a:schemeClr val="tx1"/>
           </a:solidFill>
@@ -3403,18 +3024,16 @@
           <a:cs typeface="+mn-cs"/>
         </a:defRPr>
       </a:lvl7pPr>
-      <a:lvl8pPr marL="2286000" indent="-182880" algn="l" rtl="0" eaLnBrk="1" latinLnBrk="0" hangingPunct="1">
+      <a:lvl8pPr marL="2103120" indent="-182880" algn="l" defTabSz="914400" rtl="0" eaLnBrk="1" latinLnBrk="0" hangingPunct="1">
         <a:spcBef>
           <a:spcPct val="20000"/>
         </a:spcBef>
         <a:buClr>
-          <a:schemeClr val="accent1">
-            <a:tint val="75000"/>
-          </a:schemeClr>
+          <a:schemeClr val="accent3"/>
         </a:buClr>
-        <a:buFont typeface="Wingdings 2"/>
-        <a:buChar char=""/>
-        <a:defRPr kumimoji="0" sz="1600" kern="1200">
+        <a:buFont typeface="Arial" pitchFamily="34" charset="0"/>
+        <a:buChar char="•"/>
+        <a:defRPr sz="1400" kern="1200">
           <a:solidFill>
             <a:schemeClr val="tx1"/>
           </a:solidFill>
@@ -3423,18 +3042,16 @@
           <a:cs typeface="+mn-cs"/>
         </a:defRPr>
       </a:lvl8pPr>
-      <a:lvl9pPr marL="2514600" indent="-182880" algn="l" rtl="0" eaLnBrk="1" latinLnBrk="0" hangingPunct="1">
+      <a:lvl9pPr marL="2286000" indent="-182880" algn="l" defTabSz="914400" rtl="0" eaLnBrk="1" latinLnBrk="0" hangingPunct="1">
         <a:spcBef>
           <a:spcPct val="20000"/>
         </a:spcBef>
         <a:buClr>
-          <a:schemeClr val="accent1">
-            <a:tint val="75000"/>
-          </a:schemeClr>
+          <a:schemeClr val="accent4"/>
         </a:buClr>
-        <a:buFont typeface="Wingdings 2"/>
-        <a:buChar char=""/>
-        <a:defRPr kumimoji="0" sz="1600" kern="1200">
+        <a:buFont typeface="Arial" pitchFamily="34" charset="0"/>
+        <a:buChar char="•"/>
+        <a:defRPr sz="1400" kern="1200">
           <a:solidFill>
             <a:schemeClr val="tx1"/>
           </a:solidFill>
@@ -3445,8 +3062,11 @@
       </a:lvl9pPr>
     </p:bodyStyle>
     <p:otherStyle>
-      <a:lvl1pPr marL="0" algn="l" rtl="0" eaLnBrk="1" latinLnBrk="0" hangingPunct="1">
-        <a:defRPr kumimoji="0" kern="1200">
+      <a:defPPr>
+        <a:defRPr lang="en-US"/>
+      </a:defPPr>
+      <a:lvl1pPr marL="0" algn="l" defTabSz="914400" rtl="0" eaLnBrk="1" latinLnBrk="0" hangingPunct="1">
+        <a:defRPr sz="1800" kern="1200">
           <a:solidFill>
             <a:schemeClr val="tx1"/>
           </a:solidFill>
@@ -3455,8 +3075,8 @@
           <a:cs typeface="+mn-cs"/>
         </a:defRPr>
       </a:lvl1pPr>
-      <a:lvl2pPr marL="457200" algn="l" rtl="0" eaLnBrk="1" latinLnBrk="0" hangingPunct="1">
-        <a:defRPr kumimoji="0" kern="1200">
+      <a:lvl2pPr marL="457200" algn="l" defTabSz="914400" rtl="0" eaLnBrk="1" latinLnBrk="0" hangingPunct="1">
+        <a:defRPr sz="1800" kern="1200">
           <a:solidFill>
             <a:schemeClr val="tx1"/>
           </a:solidFill>
@@ -3465,8 +3085,8 @@
           <a:cs typeface="+mn-cs"/>
         </a:defRPr>
       </a:lvl2pPr>
-      <a:lvl3pPr marL="914400" algn="l" rtl="0" eaLnBrk="1" latinLnBrk="0" hangingPunct="1">
-        <a:defRPr kumimoji="0" kern="1200">
+      <a:lvl3pPr marL="914400" algn="l" defTabSz="914400" rtl="0" eaLnBrk="1" latinLnBrk="0" hangingPunct="1">
+        <a:defRPr sz="1800" kern="1200">
           <a:solidFill>
             <a:schemeClr val="tx1"/>
           </a:solidFill>
@@ -3475,8 +3095,8 @@
           <a:cs typeface="+mn-cs"/>
         </a:defRPr>
       </a:lvl3pPr>
-      <a:lvl4pPr marL="1371600" algn="l" rtl="0" eaLnBrk="1" latinLnBrk="0" hangingPunct="1">
-        <a:defRPr kumimoji="0" kern="1200">
+      <a:lvl4pPr marL="1371600" algn="l" defTabSz="914400" rtl="0" eaLnBrk="1" latinLnBrk="0" hangingPunct="1">
+        <a:defRPr sz="1800" kern="1200">
           <a:solidFill>
             <a:schemeClr val="tx1"/>
           </a:solidFill>
@@ -3485,8 +3105,8 @@
           <a:cs typeface="+mn-cs"/>
         </a:defRPr>
       </a:lvl4pPr>
-      <a:lvl5pPr marL="1828800" algn="l" rtl="0" eaLnBrk="1" latinLnBrk="0" hangingPunct="1">
-        <a:defRPr kumimoji="0" kern="1200">
+      <a:lvl5pPr marL="1828800" algn="l" defTabSz="914400" rtl="0" eaLnBrk="1" latinLnBrk="0" hangingPunct="1">
+        <a:defRPr sz="1800" kern="1200">
           <a:solidFill>
             <a:schemeClr val="tx1"/>
           </a:solidFill>
@@ -3495,8 +3115,8 @@
           <a:cs typeface="+mn-cs"/>
         </a:defRPr>
       </a:lvl5pPr>
-      <a:lvl6pPr marL="2286000" algn="l" rtl="0" eaLnBrk="1" latinLnBrk="0" hangingPunct="1">
-        <a:defRPr kumimoji="0" kern="1200">
+      <a:lvl6pPr marL="2286000" algn="l" defTabSz="914400" rtl="0" eaLnBrk="1" latinLnBrk="0" hangingPunct="1">
+        <a:defRPr sz="1800" kern="1200">
           <a:solidFill>
             <a:schemeClr val="tx1"/>
           </a:solidFill>
@@ -3505,8 +3125,8 @@
           <a:cs typeface="+mn-cs"/>
         </a:defRPr>
       </a:lvl6pPr>
-      <a:lvl7pPr marL="2743200" algn="l" rtl="0" eaLnBrk="1" latinLnBrk="0" hangingPunct="1">
-        <a:defRPr kumimoji="0" kern="1200">
+      <a:lvl7pPr marL="2743200" algn="l" defTabSz="914400" rtl="0" eaLnBrk="1" latinLnBrk="0" hangingPunct="1">
+        <a:defRPr sz="1800" kern="1200">
           <a:solidFill>
             <a:schemeClr val="tx1"/>
           </a:solidFill>
@@ -3515,8 +3135,8 @@
           <a:cs typeface="+mn-cs"/>
         </a:defRPr>
       </a:lvl7pPr>
-      <a:lvl8pPr marL="3200400" algn="l" rtl="0" eaLnBrk="1" latinLnBrk="0" hangingPunct="1">
-        <a:defRPr kumimoji="0" kern="1200">
+      <a:lvl8pPr marL="3200400" algn="l" defTabSz="914400" rtl="0" eaLnBrk="1" latinLnBrk="0" hangingPunct="1">
+        <a:defRPr sz="1800" kern="1200">
           <a:solidFill>
             <a:schemeClr val="tx1"/>
           </a:solidFill>
@@ -3525,8 +3145,8 @@
           <a:cs typeface="+mn-cs"/>
         </a:defRPr>
       </a:lvl8pPr>
-      <a:lvl9pPr marL="3657600" algn="l" rtl="0" eaLnBrk="1" latinLnBrk="0" hangingPunct="1">
-        <a:defRPr kumimoji="0" kern="1200">
+      <a:lvl9pPr marL="3657600" algn="l" defTabSz="914400" rtl="0" eaLnBrk="1" latinLnBrk="0" hangingPunct="1">
+        <a:defRPr sz="1800" kern="1200">
           <a:solidFill>
             <a:schemeClr val="tx1"/>
           </a:solidFill>
@@ -3580,10 +3200,10 @@
           <a:lstStyle/>
           <a:p>
             <a:r>
-              <a:rPr lang="es-ES_tradnl" sz="7200" dirty="0" smtClean="0"/>
+              <a:rPr lang="es-ES_tradnl" sz="8800" dirty="0" smtClean="0"/>
               <a:t>ObservaTerra31</a:t>
             </a:r>
-            <a:endParaRPr lang="es-ES" sz="7200" dirty="0"/>
+            <a:endParaRPr lang="es-ES" sz="8800" dirty="0"/>
           </a:p>
         </p:txBody>
       </p:sp>
@@ -3605,36 +3225,36 @@
         </p:spPr>
         <p:txBody>
           <a:bodyPr>
-            <a:normAutofit/>
+            <a:normAutofit fontScale="92500" lnSpcReduction="20000"/>
           </a:bodyPr>
           <a:lstStyle/>
           <a:p>
             <a:r>
-              <a:rPr lang="es-ES_tradnl" dirty="0" smtClean="0"/>
+              <a:rPr lang="es-ES_tradnl" sz="3600" dirty="0" smtClean="0"/>
               <a:t>Gonzalo Alonso Menéndez</a:t>
             </a:r>
           </a:p>
           <a:p>
             <a:r>
-              <a:rPr lang="es-ES_tradnl" dirty="0" smtClean="0"/>
+              <a:rPr lang="es-ES_tradnl" sz="3600" dirty="0" smtClean="0"/>
               <a:t>Víctor Fernández Pérez</a:t>
             </a:r>
           </a:p>
           <a:p>
             <a:r>
-              <a:rPr lang="es-ES_tradnl" dirty="0" smtClean="0"/>
+              <a:rPr lang="es-ES_tradnl" sz="3600" dirty="0" smtClean="0"/>
               <a:t>Lara Prieto Álvarez-Rúa</a:t>
             </a:r>
           </a:p>
           <a:p>
             <a:r>
-              <a:rPr lang="es-ES_tradnl" dirty="0" smtClean="0"/>
+              <a:rPr lang="es-ES_tradnl" sz="3600" dirty="0" smtClean="0"/>
               <a:t>Sergio Rodríguez Gijón</a:t>
             </a:r>
           </a:p>
           <a:p>
             <a:r>
-              <a:rPr lang="es-ES_tradnl" dirty="0" smtClean="0"/>
+              <a:rPr lang="es-ES_tradnl" sz="3600" dirty="0" smtClean="0"/>
               <a:t>Andrea Sánchez Ferreiro</a:t>
             </a:r>
           </a:p>
@@ -3689,29 +3309,29 @@
           <a:lstStyle/>
           <a:p>
             <a:r>
-              <a:rPr lang="es-ES_tradnl" dirty="0" smtClean="0"/>
+              <a:rPr lang="es-ES_tradnl" sz="6000" dirty="0" smtClean="0"/>
               <a:t>Dominio del problema</a:t>
             </a:r>
+            <a:endParaRPr lang="es-ES" sz="6000" dirty="0"/>
+          </a:p>
+        </p:txBody>
+      </p:sp>
+      <p:sp>
+        <p:nvSpPr>
+          <p:cNvPr id="3" name="2 Marcador de contenido"/>
+          <p:cNvSpPr>
+            <a:spLocks noGrp="1"/>
+          </p:cNvSpPr>
+          <p:nvPr>
+            <p:ph idx="1"/>
+          </p:nvPr>
+        </p:nvSpPr>
+        <p:spPr/>
+        <p:txBody>
+          <a:bodyPr/>
+          <a:lstStyle/>
+          <a:p>
             <a:endParaRPr lang="es-ES" dirty="0"/>
-          </a:p>
-        </p:txBody>
-      </p:sp>
-      <p:sp>
-        <p:nvSpPr>
-          <p:cNvPr id="3" name="2 Marcador de contenido"/>
-          <p:cNvSpPr>
-            <a:spLocks noGrp="1"/>
-          </p:cNvSpPr>
-          <p:nvPr>
-            <p:ph idx="1"/>
-          </p:nvPr>
-        </p:nvSpPr>
-        <p:spPr/>
-        <p:txBody>
-          <a:bodyPr/>
-          <a:lstStyle/>
-          <a:p>
-            <a:endParaRPr lang="es-ES"/>
           </a:p>
         </p:txBody>
       </p:sp>
@@ -3761,29 +3381,46 @@
           <a:lstStyle/>
           <a:p>
             <a:r>
-              <a:rPr lang="es-ES_tradnl" dirty="0" smtClean="0"/>
+              <a:rPr lang="es-ES_tradnl" sz="6000" dirty="0" smtClean="0"/>
               <a:t>Solución planteada</a:t>
             </a:r>
+            <a:endParaRPr lang="es-ES" sz="6000" dirty="0"/>
+          </a:p>
+        </p:txBody>
+      </p:sp>
+      <p:sp>
+        <p:nvSpPr>
+          <p:cNvPr id="3" name="2 Marcador de contenido"/>
+          <p:cNvSpPr>
+            <a:spLocks noGrp="1"/>
+          </p:cNvSpPr>
+          <p:nvPr>
+            <p:ph idx="1"/>
+          </p:nvPr>
+        </p:nvSpPr>
+        <p:spPr/>
+        <p:txBody>
+          <a:bodyPr/>
+          <a:lstStyle/>
+          <a:p>
+            <a:r>
+              <a:rPr lang="es-ES_tradnl" sz="3600" dirty="0" smtClean="0"/>
+              <a:t>Sistema basado en módulos independientes que cooperan entre sí</a:t>
+            </a:r>
+          </a:p>
+          <a:p>
+            <a:r>
+              <a:rPr lang="es-ES_tradnl" sz="3600" dirty="0" smtClean="0"/>
+              <a:t>Módulos: Recolección, persistencia </a:t>
+            </a:r>
+            <a:r>
+              <a:rPr lang="es-ES_tradnl" sz="3600" smtClean="0"/>
+              <a:t>y presentación</a:t>
+            </a:r>
+            <a:endParaRPr lang="es-ES_tradnl" sz="3600" dirty="0" smtClean="0"/>
+          </a:p>
+          <a:p>
             <a:endParaRPr lang="es-ES" dirty="0"/>
-          </a:p>
-        </p:txBody>
-      </p:sp>
-      <p:sp>
-        <p:nvSpPr>
-          <p:cNvPr id="3" name="2 Marcador de contenido"/>
-          <p:cNvSpPr>
-            <a:spLocks noGrp="1"/>
-          </p:cNvSpPr>
-          <p:nvPr>
-            <p:ph idx="1"/>
-          </p:nvPr>
-        </p:nvSpPr>
-        <p:spPr/>
-        <p:txBody>
-          <a:bodyPr/>
-          <a:lstStyle/>
-          <a:p>
-            <a:endParaRPr lang="es-ES"/>
           </a:p>
         </p:txBody>
       </p:sp>
@@ -3829,14 +3466,16 @@
         </p:nvSpPr>
         <p:spPr/>
         <p:txBody>
-          <a:bodyPr/>
-          <a:lstStyle/>
-          <a:p>
-            <a:r>
-              <a:rPr lang="es-ES_tradnl" dirty="0" smtClean="0"/>
-              <a:t>Negocio (No me acuerdo del otro nombre)</a:t>
-            </a:r>
-            <a:endParaRPr lang="es-ES" dirty="0"/>
+          <a:bodyPr>
+            <a:normAutofit/>
+          </a:bodyPr>
+          <a:lstStyle/>
+          <a:p>
+            <a:r>
+              <a:rPr lang="es-ES_tradnl" sz="6000" dirty="0" smtClean="0"/>
+              <a:t>Módulo 1: Recolección</a:t>
+            </a:r>
+            <a:endParaRPr lang="es-ES" sz="6000" dirty="0"/>
           </a:p>
         </p:txBody>
       </p:sp>
@@ -3864,7 +3503,7 @@
         </p:blipFill>
         <p:spPr>
           <a:xfrm>
-            <a:off x="395536" y="2708920"/>
+            <a:off x="179512" y="2708920"/>
             <a:ext cx="8236203" cy="2551200"/>
           </a:xfrm>
         </p:spPr>
@@ -3915,29 +3554,29 @@
           <a:lstStyle/>
           <a:p>
             <a:r>
-              <a:rPr lang="es-ES_tradnl" dirty="0" smtClean="0"/>
-              <a:t>Persistencia</a:t>
-            </a:r>
+              <a:rPr lang="es-ES_tradnl" sz="6000" dirty="0" smtClean="0"/>
+              <a:t>Módulo 2: Persistencia</a:t>
+            </a:r>
+            <a:endParaRPr lang="es-ES" sz="6000" dirty="0"/>
+          </a:p>
+        </p:txBody>
+      </p:sp>
+      <p:sp>
+        <p:nvSpPr>
+          <p:cNvPr id="3" name="2 Marcador de contenido"/>
+          <p:cNvSpPr>
+            <a:spLocks noGrp="1"/>
+          </p:cNvSpPr>
+          <p:nvPr>
+            <p:ph idx="1"/>
+          </p:nvPr>
+        </p:nvSpPr>
+        <p:spPr/>
+        <p:txBody>
+          <a:bodyPr/>
+          <a:lstStyle/>
+          <a:p>
             <a:endParaRPr lang="es-ES" dirty="0"/>
-          </a:p>
-        </p:txBody>
-      </p:sp>
-      <p:sp>
-        <p:nvSpPr>
-          <p:cNvPr id="3" name="2 Marcador de contenido"/>
-          <p:cNvSpPr>
-            <a:spLocks noGrp="1"/>
-          </p:cNvSpPr>
-          <p:nvPr>
-            <p:ph idx="1"/>
-          </p:nvPr>
-        </p:nvSpPr>
-        <p:spPr/>
-        <p:txBody>
-          <a:bodyPr/>
-          <a:lstStyle/>
-          <a:p>
-            <a:endParaRPr lang="es-ES"/>
           </a:p>
         </p:txBody>
       </p:sp>
@@ -3987,10 +3626,10 @@
           <a:lstStyle/>
           <a:p>
             <a:r>
-              <a:rPr lang="es-ES_tradnl" dirty="0" smtClean="0"/>
-              <a:t>Presentación</a:t>
-            </a:r>
-            <a:endParaRPr lang="es-ES" dirty="0"/>
+              <a:rPr lang="es-ES_tradnl" sz="6000" dirty="0" smtClean="0"/>
+              <a:t>Módulo 3: Presentación</a:t>
+            </a:r>
+            <a:endParaRPr lang="es-ES" sz="6000" dirty="0"/>
           </a:p>
         </p:txBody>
       </p:sp>
@@ -4066,10 +3705,10 @@
           <a:lstStyle/>
           <a:p>
             <a:r>
-              <a:rPr lang="es-ES_tradnl" sz="7200" dirty="0" smtClean="0"/>
+              <a:rPr lang="es-ES_tradnl" sz="8800" dirty="0" smtClean="0"/>
               <a:t>ObservaTerra31</a:t>
             </a:r>
-            <a:endParaRPr lang="es-ES" sz="7200" dirty="0"/>
+            <a:endParaRPr lang="es-ES" sz="8800" dirty="0"/>
           </a:p>
         </p:txBody>
       </p:sp>
@@ -4091,36 +3730,36 @@
         </p:spPr>
         <p:txBody>
           <a:bodyPr>
-            <a:normAutofit/>
+            <a:normAutofit fontScale="92500" lnSpcReduction="20000"/>
           </a:bodyPr>
           <a:lstStyle/>
           <a:p>
             <a:r>
-              <a:rPr lang="es-ES_tradnl" dirty="0" smtClean="0"/>
+              <a:rPr lang="es-ES_tradnl" sz="3600" dirty="0" smtClean="0"/>
               <a:t>Gonzalo Alonso Menéndez</a:t>
             </a:r>
           </a:p>
           <a:p>
             <a:r>
-              <a:rPr lang="es-ES_tradnl" dirty="0" smtClean="0"/>
+              <a:rPr lang="es-ES_tradnl" sz="3600" dirty="0" smtClean="0"/>
               <a:t>Víctor Fernández Pérez</a:t>
             </a:r>
           </a:p>
           <a:p>
             <a:r>
-              <a:rPr lang="es-ES_tradnl" dirty="0" smtClean="0"/>
+              <a:rPr lang="es-ES_tradnl" sz="3600" dirty="0" smtClean="0"/>
               <a:t>Lara Prieto Álvarez-Rúa</a:t>
             </a:r>
           </a:p>
           <a:p>
             <a:r>
-              <a:rPr lang="es-ES_tradnl" dirty="0" smtClean="0"/>
+              <a:rPr lang="es-ES_tradnl" sz="3600" dirty="0" smtClean="0"/>
               <a:t>Sergio Rodríguez Gijón</a:t>
             </a:r>
           </a:p>
           <a:p>
             <a:r>
-              <a:rPr lang="es-ES_tradnl" dirty="0" smtClean="0"/>
+              <a:rPr lang="es-ES_tradnl" sz="3600" dirty="0" smtClean="0"/>
               <a:t>Andrea Sánchez Ferreiro</a:t>
             </a:r>
           </a:p>
@@ -4143,7 +3782,7 @@
 </file>
 
 <file path=ppt/theme/theme1.xml><?xml version="1.0" encoding="utf-8"?>
-<a:theme xmlns:a="http://schemas.openxmlformats.org/drawingml/2006/main" name="Brío">
+<a:theme xmlns:a="http://schemas.openxmlformats.org/drawingml/2006/main" name="Adyacencia">
   <a:themeElements>
     <a:clrScheme name="Brío">
       <a:dk1>
@@ -4183,18 +3822,53 @@
         <a:srgbClr val="FF79C2"/>
       </a:folHlink>
     </a:clrScheme>
-    <a:fontScheme name="Brío">
+    <a:fontScheme name="Office">
       <a:majorFont>
-        <a:latin typeface="Century Gothic"/>
+        <a:latin typeface="Cambria"/>
         <a:ea typeface=""/>
         <a:cs typeface=""/>
-        <a:font script="Jpan" typeface="HGｺﾞｼｯｸM"/>
-        <a:font script="Hang" typeface="HY중고딕"/>
-        <a:font script="Hans" typeface="幼圆"/>
-        <a:font script="Hant" typeface="微軟正黑體"/>
-        <a:font script="Arab" typeface="Tahoma"/>
-        <a:font script="Hebr" typeface="Gisha"/>
-        <a:font script="Thai" typeface="DilleniaUPC"/>
+        <a:font script="Jpan" typeface="ＭＳ ゴシック"/>
+        <a:font script="Hang" typeface="맑은 고딕"/>
+        <a:font script="Hans" typeface="宋体"/>
+        <a:font script="Hant" typeface="新細明體"/>
+        <a:font script="Arab" typeface="Times New Roman"/>
+        <a:font script="Hebr" typeface="Times New Roman"/>
+        <a:font script="Thai" typeface="Angsana New"/>
+        <a:font script="Ethi" typeface="Nyala"/>
+        <a:font script="Beng" typeface="Vrinda"/>
+        <a:font script="Gujr" typeface="Shruti"/>
+        <a:font script="Khmr" typeface="MoolBoran"/>
+        <a:font script="Knda" typeface="Tunga"/>
+        <a:font script="Guru" typeface="Raavi"/>
+        <a:font script="Cans" typeface="Euphemia"/>
+        <a:font script="Cher" typeface="Plantagenet Cherokee"/>
+        <a:font script="Yiii" typeface="Microsoft Yi Baiti"/>
+        <a:font script="Tibt" typeface="Microsoft Himalaya"/>
+        <a:font script="Thaa" typeface="MV Boli"/>
+        <a:font script="Deva" typeface="Mangal"/>
+        <a:font script="Telu" typeface="Gautami"/>
+        <a:font script="Taml" typeface="Latha"/>
+        <a:font script="Syrc" typeface="Estrangelo Edessa"/>
+        <a:font script="Orya" typeface="Kalinga"/>
+        <a:font script="Mlym" typeface="Kartika"/>
+        <a:font script="Laoo" typeface="DokChampa"/>
+        <a:font script="Sinh" typeface="Iskoola Pota"/>
+        <a:font script="Mong" typeface="Mongolian Baiti"/>
+        <a:font script="Viet" typeface="Times New Roman"/>
+        <a:font script="Uigh" typeface="Microsoft Uighur"/>
+        <a:font script="Geor" typeface="Sylfaen"/>
+      </a:majorFont>
+      <a:minorFont>
+        <a:latin typeface="Calibri"/>
+        <a:ea typeface=""/>
+        <a:cs typeface=""/>
+        <a:font script="Jpan" typeface="ＭＳ 明朝"/>
+        <a:font script="Hang" typeface="맑은 고딕"/>
+        <a:font script="Hans" typeface="宋体"/>
+        <a:font script="Hant" typeface="新細明體"/>
+        <a:font script="Arab" typeface="Arial"/>
+        <a:font script="Hebr" typeface="Arial"/>
+        <a:font script="Thai" typeface="Cordia New"/>
         <a:font script="Ethi" typeface="Nyala"/>
         <a:font script="Beng" typeface="Vrinda"/>
         <a:font script="Gujr" typeface="Shruti"/>
@@ -4215,107 +3889,31 @@
         <a:font script="Laoo" typeface="DokChampa"/>
         <a:font script="Sinh" typeface="Iskoola Pota"/>
         <a:font script="Mong" typeface="Mongolian Baiti"/>
-        <a:font script="Viet" typeface="Tahoma"/>
-        <a:font script="Uigh" typeface="Microsoft Uighur"/>
-        <a:font script="Geor" typeface="Sylfaen"/>
-      </a:majorFont>
-      <a:minorFont>
-        <a:latin typeface="Century Gothic"/>
-        <a:ea typeface=""/>
-        <a:cs typeface=""/>
-        <a:font script="Jpan" typeface="ＭＳ ゴシック"/>
-        <a:font script="Hang" typeface="HY중고딕"/>
-        <a:font script="Hans" typeface="幼圆"/>
-        <a:font script="Hant" typeface="微軟正黑體"/>
-        <a:font script="Arab" typeface="Tahoma"/>
-        <a:font script="Hebr" typeface="Gisha"/>
-        <a:font script="Thai" typeface="DilleniaUPC"/>
-        <a:font script="Ethi" typeface="Nyala"/>
-        <a:font script="Beng" typeface="Vrinda"/>
-        <a:font script="Gujr" typeface="Shruti"/>
-        <a:font script="Khmr" typeface="DaunPenh"/>
-        <a:font script="Knda" typeface="Tunga"/>
-        <a:font script="Guru" typeface="Raavi"/>
-        <a:font script="Cans" typeface="Euphemia"/>
-        <a:font script="Cher" typeface="Plantagenet Cherokee"/>
-        <a:font script="Yiii" typeface="Microsoft Yi Baiti"/>
-        <a:font script="Tibt" typeface="Microsoft Himalaya"/>
-        <a:font script="Thaa" typeface="MV Boli"/>
-        <a:font script="Deva" typeface="Mangal"/>
-        <a:font script="Telu" typeface="Gautami"/>
-        <a:font script="Taml" typeface="Latha"/>
-        <a:font script="Syrc" typeface="Estrangelo Edessa"/>
-        <a:font script="Orya" typeface="Kalinga"/>
-        <a:font script="Mlym" typeface="Kartika"/>
-        <a:font script="Laoo" typeface="DokChampa"/>
-        <a:font script="Sinh" typeface="Iskoola Pota"/>
-        <a:font script="Mong" typeface="Mongolian Baiti"/>
-        <a:font script="Viet" typeface="Verdana"/>
+        <a:font script="Viet" typeface="Arial"/>
         <a:font script="Uigh" typeface="Microsoft Uighur"/>
         <a:font script="Geor" typeface="Sylfaen"/>
       </a:minorFont>
     </a:fontScheme>
-    <a:fmtScheme name="Brío">
+    <a:fmtScheme name="Adyacencia">
       <a:fillStyleLst>
         <a:solidFill>
           <a:schemeClr val="phClr"/>
         </a:solidFill>
-        <a:gradFill rotWithShape="1">
-          <a:gsLst>
-            <a:gs pos="0">
-              <a:schemeClr val="phClr">
-                <a:tint val="10000"/>
-                <a:satMod val="300000"/>
-              </a:schemeClr>
-            </a:gs>
-            <a:gs pos="34000">
-              <a:schemeClr val="phClr">
-                <a:tint val="13500"/>
-                <a:satMod val="250000"/>
-              </a:schemeClr>
-            </a:gs>
-            <a:gs pos="100000">
-              <a:schemeClr val="phClr">
-                <a:tint val="60000"/>
-                <a:satMod val="200000"/>
-              </a:schemeClr>
-            </a:gs>
-          </a:gsLst>
-          <a:path path="circle">
-            <a:fillToRect l="50000" t="155000" r="50000" b="-55000"/>
-          </a:path>
-        </a:gradFill>
-        <a:gradFill rotWithShape="1">
-          <a:gsLst>
-            <a:gs pos="0">
-              <a:schemeClr val="phClr">
-                <a:tint val="60000"/>
-                <a:satMod val="160000"/>
-              </a:schemeClr>
-            </a:gs>
-            <a:gs pos="46000">
-              <a:schemeClr val="phClr">
-                <a:tint val="86000"/>
-                <a:satMod val="160000"/>
-              </a:schemeClr>
-            </a:gs>
-            <a:gs pos="100000">
-              <a:schemeClr val="phClr">
-                <a:shade val="40000"/>
-                <a:satMod val="160000"/>
-              </a:schemeClr>
-            </a:gs>
-          </a:gsLst>
-          <a:path path="circle">
-            <a:fillToRect l="50000" t="155000" r="50000" b="-55000"/>
-          </a:path>
-        </a:gradFill>
+        <a:solidFill>
+          <a:schemeClr val="phClr">
+            <a:tint val="55000"/>
+          </a:schemeClr>
+        </a:solidFill>
+        <a:solidFill>
+          <a:schemeClr val="phClr"/>
+        </a:solidFill>
       </a:fillStyleLst>
       <a:lnStyleLst>
-        <a:ln w="9525" cap="flat" cmpd="sng" algn="ctr">
+        <a:ln w="12700" cap="flat" cmpd="sng" algn="ctr">
           <a:solidFill>
             <a:schemeClr val="phClr">
-              <a:satMod val="120000"/>
+              <a:shade val="95000"/>
+              <a:satMod val="105000"/>
             </a:schemeClr>
           </a:solidFill>
           <a:prstDash val="solid"/>
@@ -4335,17 +3933,11 @@
       </a:lnStyleLst>
       <a:effectStyleLst>
         <a:effectStyle>
-          <a:effectLst>
-            <a:outerShdw blurRad="63500" dist="25400" dir="14700000" algn="t" rotWithShape="0">
-              <a:srgbClr val="000000">
-                <a:alpha val="50000"/>
-              </a:srgbClr>
-            </a:outerShdw>
-          </a:effectLst>
+          <a:effectLst/>
         </a:effectStyle>
         <a:effectStyle>
           <a:effectLst>
-            <a:outerShdw blurRad="50800" dist="38100" dir="14700000" algn="t" rotWithShape="0">
+            <a:outerShdw blurRad="50800" dist="25400" algn="bl" rotWithShape="0">
               <a:srgbClr val="000000">
                 <a:alpha val="60000"/>
               </a:srgbClr>
@@ -4353,25 +3945,22 @@
           </a:effectLst>
         </a:effectStyle>
         <a:effectStyle>
-          <a:effectLst>
-            <a:outerShdw blurRad="50800" dist="38100" dir="14700000" algn="t" rotWithShape="0">
-              <a:srgbClr val="000000">
-                <a:alpha val="60000"/>
-              </a:srgbClr>
-            </a:outerShdw>
-          </a:effectLst>
+          <a:effectLst/>
           <a:scene3d>
-            <a:camera prst="orthographicFront" fov="0">
+            <a:camera prst="orthographicFront">
               <a:rot lat="0" lon="0" rev="0"/>
             </a:camera>
-            <a:lightRig rig="contrasting" dir="t">
-              <a:rot lat="0" lon="0" rev="3600000"/>
+            <a:lightRig rig="brightRoom" dir="tl">
+              <a:rot lat="0" lon="0" rev="1800000"/>
             </a:lightRig>
           </a:scene3d>
-          <a:sp3d prstMaterial="plastic">
-            <a:bevelT w="127000" h="38200" prst="relaxedInset"/>
+          <a:sp3d contourW="10160" prstMaterial="dkEdge">
+            <a:bevelT w="38100" h="50800" prst="angle"/>
             <a:contourClr>
-              <a:schemeClr val="phClr"/>
+              <a:schemeClr val="phClr">
+                <a:shade val="40000"/>
+                <a:satMod val="150000"/>
+              </a:schemeClr>
             </a:contourClr>
           </a:sp3d>
         </a:effectStyle>
@@ -4384,39 +3973,38 @@
           <a:gsLst>
             <a:gs pos="0">
               <a:schemeClr val="phClr">
-                <a:shade val="48000"/>
-                <a:satMod val="230000"/>
+                <a:tint val="90000"/>
               </a:schemeClr>
             </a:gs>
-            <a:gs pos="60000">
+            <a:gs pos="75000">
               <a:schemeClr val="phClr">
-                <a:shade val="92000"/>
-                <a:satMod val="230000"/>
+                <a:shade val="100000"/>
+                <a:satMod val="115000"/>
               </a:schemeClr>
             </a:gs>
             <a:gs pos="100000">
               <a:schemeClr val="phClr">
-                <a:tint val="85000"/>
-                <a:satMod val="400000"/>
+                <a:shade val="70000"/>
+                <a:satMod val="130000"/>
               </a:schemeClr>
             </a:gs>
           </a:gsLst>
-          <a:lin ang="5400000" scaled="0"/>
+          <a:path path="circle">
+            <a:fillToRect l="20000" t="50000" r="100000" b="50000"/>
+          </a:path>
         </a:gradFill>
-        <a:blipFill>
+        <a:blipFill rotWithShape="1">
           <a:blip xmlns:r="http://schemas.openxmlformats.org/officeDocument/2006/relationships" r:embed="rId1">
             <a:duotone>
               <a:schemeClr val="phClr">
-                <a:shade val="1200"/>
-                <a:satMod val="150000"/>
+                <a:tint val="97000"/>
               </a:schemeClr>
               <a:schemeClr val="phClr">
-                <a:tint val="90000"/>
-                <a:satMod val="150000"/>
+                <a:shade val="96000"/>
               </a:schemeClr>
             </a:duotone>
           </a:blip>
-          <a:tile tx="0" ty="0" sx="70000" sy="70000" flip="none" algn="tl"/>
+          <a:tile tx="0" ty="0" sx="32000" sy="32000" flip="none" algn="tl"/>
         </a:blipFill>
       </a:bgFillStyleLst>
     </a:fmtScheme>
